--- a/git-github-joseph.pptx
+++ b/git-github-joseph.pptx
@@ -942,7 +942,7 @@
           <a:p>
             <a:fld id="{13EB5131-B8BF-894F-8449-07BCAE76D44A}" type="datetimeFigureOut">
               <a:rPr lang="en-KR" smtClean="0"/>
-              <a:t>5/10/24</a:t>
+              <a:t>5/12/24</a:t>
             </a:fld>
             <a:endParaRPr lang="en-KR"/>
           </a:p>
@@ -1142,7 +1142,7 @@
           <a:p>
             <a:fld id="{13EB5131-B8BF-894F-8449-07BCAE76D44A}" type="datetimeFigureOut">
               <a:rPr lang="en-KR" smtClean="0"/>
-              <a:t>5/10/24</a:t>
+              <a:t>5/12/24</a:t>
             </a:fld>
             <a:endParaRPr lang="en-KR"/>
           </a:p>
@@ -1352,7 +1352,7 @@
           <a:p>
             <a:fld id="{13EB5131-B8BF-894F-8449-07BCAE76D44A}" type="datetimeFigureOut">
               <a:rPr lang="en-KR" smtClean="0"/>
-              <a:t>5/10/24</a:t>
+              <a:t>5/12/24</a:t>
             </a:fld>
             <a:endParaRPr lang="en-KR"/>
           </a:p>
@@ -1552,7 +1552,7 @@
           <a:p>
             <a:fld id="{13EB5131-B8BF-894F-8449-07BCAE76D44A}" type="datetimeFigureOut">
               <a:rPr lang="en-KR" smtClean="0"/>
-              <a:t>5/10/24</a:t>
+              <a:t>5/12/24</a:t>
             </a:fld>
             <a:endParaRPr lang="en-KR"/>
           </a:p>
@@ -1828,7 +1828,7 @@
           <a:p>
             <a:fld id="{13EB5131-B8BF-894F-8449-07BCAE76D44A}" type="datetimeFigureOut">
               <a:rPr lang="en-KR" smtClean="0"/>
-              <a:t>5/10/24</a:t>
+              <a:t>5/12/24</a:t>
             </a:fld>
             <a:endParaRPr lang="en-KR"/>
           </a:p>
@@ -2096,7 +2096,7 @@
           <a:p>
             <a:fld id="{13EB5131-B8BF-894F-8449-07BCAE76D44A}" type="datetimeFigureOut">
               <a:rPr lang="en-KR" smtClean="0"/>
-              <a:t>5/10/24</a:t>
+              <a:t>5/12/24</a:t>
             </a:fld>
             <a:endParaRPr lang="en-KR"/>
           </a:p>
@@ -2511,7 +2511,7 @@
           <a:p>
             <a:fld id="{13EB5131-B8BF-894F-8449-07BCAE76D44A}" type="datetimeFigureOut">
               <a:rPr lang="en-KR" smtClean="0"/>
-              <a:t>5/10/24</a:t>
+              <a:t>5/12/24</a:t>
             </a:fld>
             <a:endParaRPr lang="en-KR"/>
           </a:p>
@@ -2653,7 +2653,7 @@
           <a:p>
             <a:fld id="{13EB5131-B8BF-894F-8449-07BCAE76D44A}" type="datetimeFigureOut">
               <a:rPr lang="en-KR" smtClean="0"/>
-              <a:t>5/10/24</a:t>
+              <a:t>5/12/24</a:t>
             </a:fld>
             <a:endParaRPr lang="en-KR"/>
           </a:p>
@@ -2766,7 +2766,7 @@
           <a:p>
             <a:fld id="{13EB5131-B8BF-894F-8449-07BCAE76D44A}" type="datetimeFigureOut">
               <a:rPr lang="en-KR" smtClean="0"/>
-              <a:t>5/10/24</a:t>
+              <a:t>5/12/24</a:t>
             </a:fld>
             <a:endParaRPr lang="en-KR"/>
           </a:p>
@@ -3079,7 +3079,7 @@
           <a:p>
             <a:fld id="{13EB5131-B8BF-894F-8449-07BCAE76D44A}" type="datetimeFigureOut">
               <a:rPr lang="en-KR" smtClean="0"/>
-              <a:t>5/10/24</a:t>
+              <a:t>5/12/24</a:t>
             </a:fld>
             <a:endParaRPr lang="en-KR"/>
           </a:p>
@@ -3368,7 +3368,7 @@
           <a:p>
             <a:fld id="{13EB5131-B8BF-894F-8449-07BCAE76D44A}" type="datetimeFigureOut">
               <a:rPr lang="en-KR" smtClean="0"/>
-              <a:t>5/10/24</a:t>
+              <a:t>5/12/24</a:t>
             </a:fld>
             <a:endParaRPr lang="en-KR"/>
           </a:p>
@@ -3611,7 +3611,7 @@
           <a:p>
             <a:fld id="{13EB5131-B8BF-894F-8449-07BCAE76D44A}" type="datetimeFigureOut">
               <a:rPr lang="en-KR" smtClean="0"/>
-              <a:t>5/10/24</a:t>
+              <a:t>5/12/24</a:t>
             </a:fld>
             <a:endParaRPr lang="en-KR"/>
           </a:p>
@@ -8606,6 +8606,54 @@
               <a:rPr lang="en-KR" dirty="0"/>
               <a:t>실습</a:t>
             </a:r>
+          </a:p>
+        </p:txBody>
+      </p:sp>
+      <p:sp>
+        <p:nvSpPr>
+          <p:cNvPr id="3" name="TextBox 2">
+            <a:extLst>
+              <a:ext uri="{FF2B5EF4-FFF2-40B4-BE49-F238E27FC236}">
+                <a16:creationId xmlns:a16="http://schemas.microsoft.com/office/drawing/2014/main" id="{5C0F46D4-0AE5-ADA3-FAAB-C7C47A888183}"/>
+              </a:ext>
+            </a:extLst>
+          </p:cNvPr>
+          <p:cNvSpPr txBox="1"/>
+          <p:nvPr/>
+        </p:nvSpPr>
+        <p:spPr>
+          <a:xfrm>
+            <a:off x="359229" y="1393372"/>
+            <a:ext cx="2789866" cy="369332"/>
+          </a:xfrm>
+          <a:prstGeom prst="rect">
+            <a:avLst/>
+          </a:prstGeom>
+          <a:noFill/>
+        </p:spPr>
+        <p:txBody>
+          <a:bodyPr wrap="none" rtlCol="0">
+            <a:spAutoFit/>
+          </a:bodyPr>
+          <a:lstStyle/>
+          <a:p>
+            <a:r>
+              <a:rPr lang="en-US" altLang="ko-KR" dirty="0"/>
+              <a:t>1. fix-a</a:t>
+            </a:r>
+            <a:r>
+              <a:rPr lang="ko-KR" altLang="en-US" dirty="0"/>
+              <a:t>라는 </a:t>
+            </a:r>
+            <a:r>
+              <a:rPr lang="en-US" altLang="ko-KR" dirty="0"/>
+              <a:t>branch </a:t>
+            </a:r>
+            <a:r>
+              <a:rPr lang="ko-KR" altLang="en-US" dirty="0"/>
+              <a:t>만들기</a:t>
+            </a:r>
+            <a:endParaRPr lang="en-US" altLang="ko-KR" dirty="0"/>
           </a:p>
         </p:txBody>
       </p:sp>

--- a/git-github-joseph.pptx
+++ b/git-github-joseph.pptx
@@ -20,12 +20,14 @@
     <p:sldId id="269" r:id="rId14"/>
     <p:sldId id="263" r:id="rId15"/>
     <p:sldId id="275" r:id="rId16"/>
-    <p:sldId id="262" r:id="rId17"/>
-    <p:sldId id="259" r:id="rId18"/>
-    <p:sldId id="260" r:id="rId19"/>
-    <p:sldId id="261" r:id="rId20"/>
-    <p:sldId id="257" r:id="rId21"/>
-    <p:sldId id="258" r:id="rId22"/>
+    <p:sldId id="277" r:id="rId17"/>
+    <p:sldId id="278" r:id="rId18"/>
+    <p:sldId id="262" r:id="rId19"/>
+    <p:sldId id="259" r:id="rId20"/>
+    <p:sldId id="260" r:id="rId21"/>
+    <p:sldId id="261" r:id="rId22"/>
+    <p:sldId id="257" r:id="rId23"/>
+    <p:sldId id="258" r:id="rId24"/>
   </p:sldIdLst>
   <p:sldSz cx="12192000" cy="6858000"/>
   <p:notesSz cx="6858000" cy="9144000"/>
@@ -8624,7 +8626,7 @@
         <p:spPr>
           <a:xfrm>
             <a:off x="359229" y="1393372"/>
-            <a:ext cx="2789866" cy="369332"/>
+            <a:ext cx="3298019" cy="369332"/>
           </a:xfrm>
           <a:prstGeom prst="rect">
             <a:avLst/>
@@ -8651,12 +8653,540 @@
             </a:r>
             <a:r>
               <a:rPr lang="ko-KR" altLang="en-US" dirty="0"/>
-              <a:t>만들기</a:t>
+              <a:t>만들고 이동</a:t>
             </a:r>
             <a:endParaRPr lang="en-US" altLang="ko-KR" dirty="0"/>
           </a:p>
         </p:txBody>
       </p:sp>
+      <p:sp>
+        <p:nvSpPr>
+          <p:cNvPr id="7" name="TextBox 6">
+            <a:extLst>
+              <a:ext uri="{FF2B5EF4-FFF2-40B4-BE49-F238E27FC236}">
+                <a16:creationId xmlns:a16="http://schemas.microsoft.com/office/drawing/2014/main" id="{A968A54D-000B-6C40-69D4-9E0AC546444F}"/>
+              </a:ext>
+            </a:extLst>
+          </p:cNvPr>
+          <p:cNvSpPr txBox="1"/>
+          <p:nvPr/>
+        </p:nvSpPr>
+        <p:spPr>
+          <a:xfrm>
+            <a:off x="636043" y="1762704"/>
+            <a:ext cx="1642116" cy="369332"/>
+          </a:xfrm>
+          <a:prstGeom prst="rect">
+            <a:avLst/>
+          </a:prstGeom>
+          <a:noFill/>
+        </p:spPr>
+        <p:txBody>
+          <a:bodyPr wrap="none" rtlCol="0">
+            <a:spAutoFit/>
+          </a:bodyPr>
+          <a:lstStyle/>
+          <a:p>
+            <a:r>
+              <a:rPr lang="en-US" altLang="ko-KR" dirty="0">
+                <a:effectLst/>
+              </a:rPr>
+              <a:t>git branch fix-a</a:t>
+            </a:r>
+          </a:p>
+        </p:txBody>
+      </p:sp>
+      <p:sp>
+        <p:nvSpPr>
+          <p:cNvPr id="8" name="TextBox 7">
+            <a:extLst>
+              <a:ext uri="{FF2B5EF4-FFF2-40B4-BE49-F238E27FC236}">
+                <a16:creationId xmlns:a16="http://schemas.microsoft.com/office/drawing/2014/main" id="{95C1A685-16E4-048E-D97C-94118FEA76D7}"/>
+              </a:ext>
+            </a:extLst>
+          </p:cNvPr>
+          <p:cNvSpPr txBox="1"/>
+          <p:nvPr/>
+        </p:nvSpPr>
+        <p:spPr>
+          <a:xfrm>
+            <a:off x="359229" y="2597896"/>
+            <a:ext cx="3929602" cy="369332"/>
+          </a:xfrm>
+          <a:prstGeom prst="rect">
+            <a:avLst/>
+          </a:prstGeom>
+          <a:noFill/>
+        </p:spPr>
+        <p:txBody>
+          <a:bodyPr wrap="none" rtlCol="0">
+            <a:spAutoFit/>
+          </a:bodyPr>
+          <a:lstStyle/>
+          <a:p>
+            <a:r>
+              <a:rPr lang="en-US" altLang="ko-KR" dirty="0"/>
+              <a:t>1.1 fix-a</a:t>
+            </a:r>
+            <a:r>
+              <a:rPr lang="ko-KR" altLang="en-US" dirty="0"/>
+              <a:t>라는 </a:t>
+            </a:r>
+            <a:r>
+              <a:rPr lang="en-US" altLang="ko-KR" dirty="0"/>
+              <a:t>branch </a:t>
+            </a:r>
+            <a:r>
+              <a:rPr lang="ko-KR" altLang="en-US" dirty="0"/>
+              <a:t>만들고 바로 이동</a:t>
+            </a:r>
+            <a:endParaRPr lang="en-US" altLang="ko-KR" dirty="0"/>
+          </a:p>
+        </p:txBody>
+      </p:sp>
+      <p:sp>
+        <p:nvSpPr>
+          <p:cNvPr id="9" name="TextBox 8">
+            <a:extLst>
+              <a:ext uri="{FF2B5EF4-FFF2-40B4-BE49-F238E27FC236}">
+                <a16:creationId xmlns:a16="http://schemas.microsoft.com/office/drawing/2014/main" id="{965A9DD4-02A1-13D0-4C79-3CEB70436C22}"/>
+              </a:ext>
+            </a:extLst>
+          </p:cNvPr>
+          <p:cNvSpPr txBox="1"/>
+          <p:nvPr/>
+        </p:nvSpPr>
+        <p:spPr>
+          <a:xfrm>
+            <a:off x="636043" y="3016392"/>
+            <a:ext cx="2201308" cy="369332"/>
+          </a:xfrm>
+          <a:prstGeom prst="rect">
+            <a:avLst/>
+          </a:prstGeom>
+          <a:noFill/>
+        </p:spPr>
+        <p:txBody>
+          <a:bodyPr wrap="none" rtlCol="0">
+            <a:spAutoFit/>
+          </a:bodyPr>
+          <a:lstStyle/>
+          <a:p>
+            <a:r>
+              <a:rPr lang="en-US" altLang="ko-KR" dirty="0">
+                <a:effectLst/>
+              </a:rPr>
+              <a:t>git checkout –b fix-a </a:t>
+            </a:r>
+          </a:p>
+        </p:txBody>
+      </p:sp>
+      <p:sp>
+        <p:nvSpPr>
+          <p:cNvPr id="10" name="TextBox 9">
+            <a:extLst>
+              <a:ext uri="{FF2B5EF4-FFF2-40B4-BE49-F238E27FC236}">
+                <a16:creationId xmlns:a16="http://schemas.microsoft.com/office/drawing/2014/main" id="{1D71726C-7998-DE29-24DB-BEBAADF298BD}"/>
+              </a:ext>
+            </a:extLst>
+          </p:cNvPr>
+          <p:cNvSpPr txBox="1"/>
+          <p:nvPr/>
+        </p:nvSpPr>
+        <p:spPr>
+          <a:xfrm>
+            <a:off x="636043" y="2132036"/>
+            <a:ext cx="3549433" cy="369332"/>
+          </a:xfrm>
+          <a:prstGeom prst="rect">
+            <a:avLst/>
+          </a:prstGeom>
+          <a:noFill/>
+        </p:spPr>
+        <p:txBody>
+          <a:bodyPr wrap="none" rtlCol="0">
+            <a:spAutoFit/>
+          </a:bodyPr>
+          <a:lstStyle/>
+          <a:p>
+            <a:r>
+              <a:rPr lang="en-US" altLang="ko-KR" dirty="0">
+                <a:effectLst/>
+              </a:rPr>
+              <a:t>git </a:t>
+            </a:r>
+            <a:r>
+              <a:rPr lang="en-US" altLang="ko-KR" dirty="0"/>
+              <a:t>checkout fix-a  / </a:t>
+            </a:r>
+            <a:r>
+              <a:rPr lang="en-US" altLang="ko-KR" dirty="0">
+                <a:effectLst/>
+              </a:rPr>
+              <a:t>git switch </a:t>
+            </a:r>
+            <a:r>
+              <a:rPr lang="en-US" altLang="ko-KR" dirty="0"/>
+              <a:t>fix-a </a:t>
+            </a:r>
+            <a:endParaRPr lang="en-US" altLang="ko-KR" dirty="0">
+              <a:effectLst/>
+            </a:endParaRPr>
+          </a:p>
+        </p:txBody>
+      </p:sp>
+      <p:sp>
+        <p:nvSpPr>
+          <p:cNvPr id="11" name="TextBox 10">
+            <a:extLst>
+              <a:ext uri="{FF2B5EF4-FFF2-40B4-BE49-F238E27FC236}">
+                <a16:creationId xmlns:a16="http://schemas.microsoft.com/office/drawing/2014/main" id="{60C77D12-AF3A-DFFB-A55B-1CCB4FE28E69}"/>
+              </a:ext>
+            </a:extLst>
+          </p:cNvPr>
+          <p:cNvSpPr txBox="1"/>
+          <p:nvPr/>
+        </p:nvSpPr>
+        <p:spPr>
+          <a:xfrm>
+            <a:off x="636043" y="3408576"/>
+            <a:ext cx="1955985" cy="369332"/>
+          </a:xfrm>
+          <a:prstGeom prst="rect">
+            <a:avLst/>
+          </a:prstGeom>
+          <a:noFill/>
+        </p:spPr>
+        <p:txBody>
+          <a:bodyPr wrap="none" rtlCol="0">
+            <a:spAutoFit/>
+          </a:bodyPr>
+          <a:lstStyle/>
+          <a:p>
+            <a:r>
+              <a:rPr lang="en-US" altLang="ko-KR" dirty="0">
+                <a:effectLst/>
+              </a:rPr>
+              <a:t>git switch –C fix-a </a:t>
+            </a:r>
+          </a:p>
+        </p:txBody>
+      </p:sp>
+      <p:sp>
+        <p:nvSpPr>
+          <p:cNvPr id="12" name="TextBox 11">
+            <a:extLst>
+              <a:ext uri="{FF2B5EF4-FFF2-40B4-BE49-F238E27FC236}">
+                <a16:creationId xmlns:a16="http://schemas.microsoft.com/office/drawing/2014/main" id="{9405F7AB-626C-7386-C175-C584474E8798}"/>
+              </a:ext>
+            </a:extLst>
+          </p:cNvPr>
+          <p:cNvSpPr txBox="1"/>
+          <p:nvPr/>
+        </p:nvSpPr>
+        <p:spPr>
+          <a:xfrm>
+            <a:off x="359229" y="3973169"/>
+            <a:ext cx="5330626" cy="646331"/>
+          </a:xfrm>
+          <a:prstGeom prst="rect">
+            <a:avLst/>
+          </a:prstGeom>
+          <a:noFill/>
+        </p:spPr>
+        <p:txBody>
+          <a:bodyPr wrap="none" rtlCol="0">
+            <a:spAutoFit/>
+          </a:bodyPr>
+          <a:lstStyle/>
+          <a:p>
+            <a:r>
+              <a:rPr lang="en-US" altLang="ko-KR" dirty="0"/>
+              <a:t>2.  fix-a</a:t>
+            </a:r>
+            <a:r>
+              <a:rPr lang="ko-KR" altLang="en-US" dirty="0"/>
+              <a:t>라는 </a:t>
+            </a:r>
+            <a:r>
+              <a:rPr lang="en-US" altLang="ko-KR" dirty="0"/>
+              <a:t>branch</a:t>
+            </a:r>
+            <a:r>
+              <a:rPr lang="ko-KR" altLang="en-US" dirty="0"/>
+              <a:t>에서 파일 만들고 </a:t>
+            </a:r>
+            <a:r>
+              <a:rPr lang="ko-KR" altLang="en-US" dirty="0" err="1"/>
+              <a:t>커밋까지</a:t>
+            </a:r>
+            <a:r>
+              <a:rPr lang="ko-KR" altLang="en-US" dirty="0"/>
+              <a:t> 하기</a:t>
+            </a:r>
+            <a:r>
+              <a:rPr lang="en-US" altLang="ko-KR" dirty="0"/>
+              <a:t> </a:t>
+            </a:r>
+          </a:p>
+          <a:p>
+            <a:r>
+              <a:rPr lang="ko-KR" altLang="en-US" dirty="0"/>
+              <a:t>    </a:t>
+            </a:r>
+            <a:r>
+              <a:rPr lang="en-US" altLang="ko-KR" dirty="0"/>
+              <a:t>/</a:t>
+            </a:r>
+            <a:r>
+              <a:rPr lang="ko-KR" altLang="en-US" dirty="0"/>
+              <a:t> </a:t>
+            </a:r>
+            <a:r>
+              <a:rPr lang="ko-KR" altLang="en-US" dirty="0" err="1"/>
+              <a:t>두번</a:t>
+            </a:r>
+            <a:r>
+              <a:rPr lang="ko-KR" altLang="en-US" dirty="0"/>
+              <a:t> 반복해서 </a:t>
+            </a:r>
+            <a:r>
+              <a:rPr lang="ko-KR" altLang="en-US" dirty="0" err="1"/>
+              <a:t>커밋을</a:t>
+            </a:r>
+            <a:r>
+              <a:rPr lang="ko-KR" altLang="en-US" dirty="0"/>
+              <a:t> 두개 만들기</a:t>
+            </a:r>
+            <a:endParaRPr lang="en-US" altLang="ko-KR" dirty="0"/>
+          </a:p>
+        </p:txBody>
+      </p:sp>
+      <p:sp>
+        <p:nvSpPr>
+          <p:cNvPr id="13" name="TextBox 12">
+            <a:extLst>
+              <a:ext uri="{FF2B5EF4-FFF2-40B4-BE49-F238E27FC236}">
+                <a16:creationId xmlns:a16="http://schemas.microsoft.com/office/drawing/2014/main" id="{8D9C51BB-1F03-2664-8A95-7CCC5FBDEFED}"/>
+              </a:ext>
+            </a:extLst>
+          </p:cNvPr>
+          <p:cNvSpPr txBox="1"/>
+          <p:nvPr/>
+        </p:nvSpPr>
+        <p:spPr>
+          <a:xfrm>
+            <a:off x="636043" y="4588356"/>
+            <a:ext cx="2369431" cy="369332"/>
+          </a:xfrm>
+          <a:prstGeom prst="rect">
+            <a:avLst/>
+          </a:prstGeom>
+          <a:noFill/>
+        </p:spPr>
+        <p:txBody>
+          <a:bodyPr wrap="none" rtlCol="0">
+            <a:spAutoFit/>
+          </a:bodyPr>
+          <a:lstStyle/>
+          <a:p>
+            <a:r>
+              <a:rPr lang="en-US" altLang="ko-KR" dirty="0"/>
+              <a:t>echo “this is h” &gt; </a:t>
+            </a:r>
+            <a:r>
+              <a:rPr lang="en-US" altLang="ko-KR" dirty="0" err="1"/>
+              <a:t>h.txt</a:t>
+            </a:r>
+            <a:r>
+              <a:rPr lang="en-US" altLang="ko-KR" dirty="0">
+                <a:effectLst/>
+              </a:rPr>
+              <a:t> </a:t>
+            </a:r>
+          </a:p>
+        </p:txBody>
+      </p:sp>
+      <p:sp>
+        <p:nvSpPr>
+          <p:cNvPr id="15" name="TextBox 14">
+            <a:extLst>
+              <a:ext uri="{FF2B5EF4-FFF2-40B4-BE49-F238E27FC236}">
+                <a16:creationId xmlns:a16="http://schemas.microsoft.com/office/drawing/2014/main" id="{22A98A60-BF6C-5F8D-D26C-E93B323FB220}"/>
+              </a:ext>
+            </a:extLst>
+          </p:cNvPr>
+          <p:cNvSpPr txBox="1"/>
+          <p:nvPr/>
+        </p:nvSpPr>
+        <p:spPr>
+          <a:xfrm>
+            <a:off x="652843" y="4926543"/>
+            <a:ext cx="1939185" cy="646331"/>
+          </a:xfrm>
+          <a:prstGeom prst="rect">
+            <a:avLst/>
+          </a:prstGeom>
+          <a:noFill/>
+        </p:spPr>
+        <p:txBody>
+          <a:bodyPr wrap="none" rtlCol="0">
+            <a:spAutoFit/>
+          </a:bodyPr>
+          <a:lstStyle/>
+          <a:p>
+            <a:r>
+              <a:rPr lang="en-US" altLang="ko-KR" dirty="0"/>
+              <a:t>git add .</a:t>
+            </a:r>
+          </a:p>
+          <a:p>
+            <a:r>
+              <a:rPr lang="en-US" altLang="ko-KR" dirty="0"/>
+              <a:t>git commit -m “h”</a:t>
+            </a:r>
+            <a:endParaRPr lang="en-US" altLang="ko-KR" dirty="0">
+              <a:effectLst/>
+            </a:endParaRPr>
+          </a:p>
+        </p:txBody>
+      </p:sp>
+      <p:sp>
+        <p:nvSpPr>
+          <p:cNvPr id="16" name="TextBox 15">
+            <a:extLst>
+              <a:ext uri="{FF2B5EF4-FFF2-40B4-BE49-F238E27FC236}">
+                <a16:creationId xmlns:a16="http://schemas.microsoft.com/office/drawing/2014/main" id="{AF448635-A9B3-4135-5FDD-EA1D345EF1CC}"/>
+              </a:ext>
+            </a:extLst>
+          </p:cNvPr>
+          <p:cNvSpPr txBox="1"/>
+          <p:nvPr/>
+        </p:nvSpPr>
+        <p:spPr>
+          <a:xfrm>
+            <a:off x="359229" y="5668205"/>
+            <a:ext cx="3776547" cy="369332"/>
+          </a:xfrm>
+          <a:prstGeom prst="rect">
+            <a:avLst/>
+          </a:prstGeom>
+          <a:noFill/>
+        </p:spPr>
+        <p:txBody>
+          <a:bodyPr wrap="none" rtlCol="0">
+            <a:spAutoFit/>
+          </a:bodyPr>
+          <a:lstStyle/>
+          <a:p>
+            <a:r>
+              <a:rPr lang="en-US" altLang="ko-KR" dirty="0"/>
+              <a:t>3.</a:t>
+            </a:r>
+            <a:r>
+              <a:rPr lang="ko-KR" altLang="en-US" dirty="0"/>
+              <a:t> </a:t>
+            </a:r>
+            <a:r>
+              <a:rPr lang="en-US" altLang="ko-KR" dirty="0"/>
+              <a:t>git</a:t>
+            </a:r>
+            <a:r>
+              <a:rPr lang="ko-KR" altLang="en-US" dirty="0"/>
+              <a:t> </a:t>
+            </a:r>
+            <a:r>
+              <a:rPr lang="en-US" altLang="ko-KR" dirty="0"/>
+              <a:t>log</a:t>
+            </a:r>
+            <a:r>
+              <a:rPr lang="ko-KR" altLang="en-US" dirty="0"/>
+              <a:t> </a:t>
+            </a:r>
+            <a:r>
+              <a:rPr lang="en-US" altLang="ko-KR" dirty="0"/>
+              <a:t>--graph --</a:t>
+            </a:r>
+            <a:r>
+              <a:rPr lang="en-US" altLang="ko-KR" dirty="0" err="1"/>
+              <a:t>oneline</a:t>
+            </a:r>
+            <a:r>
+              <a:rPr lang="en-US" altLang="ko-KR" dirty="0"/>
+              <a:t> </a:t>
+            </a:r>
+            <a:r>
+              <a:rPr lang="ko-KR" altLang="en-US" dirty="0" err="1"/>
+              <a:t>으로</a:t>
+            </a:r>
+            <a:r>
+              <a:rPr lang="ko-KR" altLang="en-US" dirty="0"/>
+              <a:t> 확인 </a:t>
+            </a:r>
+            <a:endParaRPr lang="en-US" altLang="ko-KR" dirty="0"/>
+          </a:p>
+        </p:txBody>
+      </p:sp>
+      <p:pic>
+        <p:nvPicPr>
+          <p:cNvPr id="18" name="그림 17">
+            <a:extLst>
+              <a:ext uri="{FF2B5EF4-FFF2-40B4-BE49-F238E27FC236}">
+                <a16:creationId xmlns:a16="http://schemas.microsoft.com/office/drawing/2014/main" id="{D5D685D2-F05A-505A-88B2-915517DD15F3}"/>
+              </a:ext>
+            </a:extLst>
+          </p:cNvPr>
+          <p:cNvPicPr>
+            <a:picLocks noChangeAspect="1"/>
+          </p:cNvPicPr>
+          <p:nvPr/>
+        </p:nvPicPr>
+        <p:blipFill>
+          <a:blip r:embed="rId2"/>
+          <a:stretch>
+            <a:fillRect/>
+          </a:stretch>
+        </p:blipFill>
+        <p:spPr>
+          <a:xfrm>
+            <a:off x="6464607" y="1690688"/>
+            <a:ext cx="4728531" cy="1236055"/>
+          </a:xfrm>
+          <a:prstGeom prst="rect">
+            <a:avLst/>
+          </a:prstGeom>
+        </p:spPr>
+      </p:pic>
+      <p:pic>
+        <p:nvPicPr>
+          <p:cNvPr id="19" name="그림 18">
+            <a:extLst>
+              <a:ext uri="{FF2B5EF4-FFF2-40B4-BE49-F238E27FC236}">
+                <a16:creationId xmlns:a16="http://schemas.microsoft.com/office/drawing/2014/main" id="{E4DADBBB-0EC4-F650-9C92-81A69BB1BAA5}"/>
+              </a:ext>
+            </a:extLst>
+          </p:cNvPr>
+          <p:cNvPicPr>
+            <a:picLocks noChangeAspect="1"/>
+          </p:cNvPicPr>
+          <p:nvPr/>
+        </p:nvPicPr>
+        <p:blipFill>
+          <a:blip r:embed="rId3"/>
+          <a:stretch>
+            <a:fillRect/>
+          </a:stretch>
+        </p:blipFill>
+        <p:spPr>
+          <a:xfrm>
+            <a:off x="6841781" y="3123945"/>
+            <a:ext cx="3708400" cy="3162300"/>
+          </a:xfrm>
+          <a:prstGeom prst="rect">
+            <a:avLst/>
+          </a:prstGeom>
+        </p:spPr>
+      </p:pic>
     </p:spTree>
     <p:extLst>
       <p:ext uri="{BB962C8B-B14F-4D97-AF65-F5344CB8AC3E}">
@@ -8671,6 +9201,708 @@
 </file>
 
 <file path=ppt/slides/slide16.xml><?xml version="1.0" encoding="utf-8"?>
+<p:sld xmlns:a="http://schemas.openxmlformats.org/drawingml/2006/main" xmlns:r="http://schemas.openxmlformats.org/officeDocument/2006/relationships" xmlns:p="http://schemas.openxmlformats.org/presentationml/2006/main">
+  <p:cSld>
+    <p:spTree>
+      <p:nvGrpSpPr>
+        <p:cNvPr id="1" name=""/>
+        <p:cNvGrpSpPr/>
+        <p:nvPr/>
+      </p:nvGrpSpPr>
+      <p:grpSpPr>
+        <a:xfrm>
+          <a:off x="0" y="0"/>
+          <a:ext cx="0" cy="0"/>
+          <a:chOff x="0" y="0"/>
+          <a:chExt cx="0" cy="0"/>
+        </a:xfrm>
+      </p:grpSpPr>
+      <p:sp>
+        <p:nvSpPr>
+          <p:cNvPr id="2" name="제목 1">
+            <a:extLst>
+              <a:ext uri="{FF2B5EF4-FFF2-40B4-BE49-F238E27FC236}">
+                <a16:creationId xmlns:a16="http://schemas.microsoft.com/office/drawing/2014/main" id="{894C863C-4E9A-651B-2482-1CA4B0FE7741}"/>
+              </a:ext>
+            </a:extLst>
+          </p:cNvPr>
+          <p:cNvSpPr>
+            <a:spLocks noGrp="1"/>
+          </p:cNvSpPr>
+          <p:nvPr>
+            <p:ph type="title"/>
+          </p:nvPr>
+        </p:nvSpPr>
+        <p:spPr/>
+        <p:txBody>
+          <a:bodyPr/>
+          <a:lstStyle/>
+          <a:p>
+            <a:r>
+              <a:rPr kumimoji="1" lang="ko-KR" altLang="en-US" dirty="0"/>
+              <a:t>실습</a:t>
+            </a:r>
+          </a:p>
+        </p:txBody>
+      </p:sp>
+      <p:sp>
+        <p:nvSpPr>
+          <p:cNvPr id="3" name="TextBox 2">
+            <a:extLst>
+              <a:ext uri="{FF2B5EF4-FFF2-40B4-BE49-F238E27FC236}">
+                <a16:creationId xmlns:a16="http://schemas.microsoft.com/office/drawing/2014/main" id="{8A4CFC0D-B17B-C243-0F56-1E6166B1AB0F}"/>
+              </a:ext>
+            </a:extLst>
+          </p:cNvPr>
+          <p:cNvSpPr txBox="1"/>
+          <p:nvPr/>
+        </p:nvSpPr>
+        <p:spPr>
+          <a:xfrm>
+            <a:off x="315162" y="1506022"/>
+            <a:ext cx="5860900" cy="369332"/>
+          </a:xfrm>
+          <a:prstGeom prst="rect">
+            <a:avLst/>
+          </a:prstGeom>
+          <a:noFill/>
+        </p:spPr>
+        <p:txBody>
+          <a:bodyPr wrap="none" rtlCol="0">
+            <a:spAutoFit/>
+          </a:bodyPr>
+          <a:lstStyle/>
+          <a:p>
+            <a:r>
+              <a:rPr lang="en-US" altLang="ko-KR" dirty="0"/>
+              <a:t>4.</a:t>
+            </a:r>
+            <a:r>
+              <a:rPr lang="ko-KR" altLang="en-US" dirty="0"/>
+              <a:t> </a:t>
+            </a:r>
+            <a:r>
+              <a:rPr lang="en-US" altLang="ko-KR" dirty="0"/>
+              <a:t>Master</a:t>
+            </a:r>
+            <a:r>
+              <a:rPr lang="ko-KR" altLang="en-US" dirty="0"/>
+              <a:t>로 </a:t>
+            </a:r>
+            <a:r>
+              <a:rPr lang="en-US" altLang="ko-KR" dirty="0"/>
+              <a:t>checkout </a:t>
+            </a:r>
+            <a:r>
+              <a:rPr lang="ko-KR" altLang="en-US" dirty="0"/>
+              <a:t>한 후 </a:t>
+            </a:r>
+            <a:r>
+              <a:rPr lang="en-US" altLang="ko-KR" dirty="0"/>
+              <a:t>ls </a:t>
+            </a:r>
+            <a:r>
+              <a:rPr lang="ko-KR" altLang="en-US" dirty="0"/>
+              <a:t>로 무슨 파일이 있는지 보기</a:t>
+            </a:r>
+            <a:endParaRPr lang="en-US" altLang="ko-KR" dirty="0"/>
+          </a:p>
+        </p:txBody>
+      </p:sp>
+      <p:pic>
+        <p:nvPicPr>
+          <p:cNvPr id="5" name="그림 4">
+            <a:extLst>
+              <a:ext uri="{FF2B5EF4-FFF2-40B4-BE49-F238E27FC236}">
+                <a16:creationId xmlns:a16="http://schemas.microsoft.com/office/drawing/2014/main" id="{D47ED3D6-92C2-DF91-4A92-859BE847B91A}"/>
+              </a:ext>
+            </a:extLst>
+          </p:cNvPr>
+          <p:cNvPicPr>
+            <a:picLocks noChangeAspect="1"/>
+          </p:cNvPicPr>
+          <p:nvPr/>
+        </p:nvPicPr>
+        <p:blipFill>
+          <a:blip r:embed="rId2"/>
+          <a:stretch>
+            <a:fillRect/>
+          </a:stretch>
+        </p:blipFill>
+        <p:spPr>
+          <a:xfrm>
+            <a:off x="838200" y="1895750"/>
+            <a:ext cx="7772400" cy="1533250"/>
+          </a:xfrm>
+          <a:prstGeom prst="rect">
+            <a:avLst/>
+          </a:prstGeom>
+        </p:spPr>
+      </p:pic>
+      <p:sp>
+        <p:nvSpPr>
+          <p:cNvPr id="6" name="TextBox 5">
+            <a:extLst>
+              <a:ext uri="{FF2B5EF4-FFF2-40B4-BE49-F238E27FC236}">
+                <a16:creationId xmlns:a16="http://schemas.microsoft.com/office/drawing/2014/main" id="{9EA5488A-57ED-CF97-72F2-6DBDBC3CB91D}"/>
+              </a:ext>
+            </a:extLst>
+          </p:cNvPr>
+          <p:cNvSpPr txBox="1"/>
+          <p:nvPr/>
+        </p:nvSpPr>
+        <p:spPr>
+          <a:xfrm>
+            <a:off x="315162" y="3802684"/>
+            <a:ext cx="4746236" cy="369332"/>
+          </a:xfrm>
+          <a:prstGeom prst="rect">
+            <a:avLst/>
+          </a:prstGeom>
+          <a:noFill/>
+        </p:spPr>
+        <p:txBody>
+          <a:bodyPr wrap="none" rtlCol="0">
+            <a:spAutoFit/>
+          </a:bodyPr>
+          <a:lstStyle/>
+          <a:p>
+            <a:r>
+              <a:rPr lang="en-US" altLang="ko-KR" dirty="0"/>
+              <a:t>5.</a:t>
+            </a:r>
+            <a:r>
+              <a:rPr lang="ko-KR" altLang="en-US" dirty="0"/>
+              <a:t> </a:t>
+            </a:r>
+            <a:r>
+              <a:rPr lang="en-US" altLang="ko-KR" dirty="0" err="1"/>
+              <a:t>FastForward</a:t>
+            </a:r>
+            <a:r>
+              <a:rPr lang="ko-KR" altLang="en-US" dirty="0"/>
+              <a:t>로 </a:t>
+            </a:r>
+            <a:r>
+              <a:rPr lang="en-US" altLang="ko-KR" dirty="0"/>
+              <a:t>fix-a</a:t>
+            </a:r>
+            <a:r>
+              <a:rPr lang="ko-KR" altLang="en-US" dirty="0" err="1"/>
+              <a:t>를</a:t>
+            </a:r>
+            <a:r>
+              <a:rPr lang="ko-KR" altLang="en-US" dirty="0"/>
+              <a:t> </a:t>
+            </a:r>
+            <a:r>
+              <a:rPr lang="en-US" altLang="ko-KR" dirty="0"/>
+              <a:t>master</a:t>
+            </a:r>
+            <a:r>
+              <a:rPr lang="ko-KR" altLang="en-US" dirty="0"/>
+              <a:t>로 </a:t>
+            </a:r>
+            <a:r>
+              <a:rPr lang="en-US" altLang="ko-KR" dirty="0"/>
+              <a:t> Merge</a:t>
+            </a:r>
+            <a:r>
+              <a:rPr lang="ko-KR" altLang="en-US" dirty="0"/>
+              <a:t>하기</a:t>
+            </a:r>
+            <a:endParaRPr lang="en-US" altLang="ko-KR" dirty="0"/>
+          </a:p>
+        </p:txBody>
+      </p:sp>
+      <p:sp>
+        <p:nvSpPr>
+          <p:cNvPr id="8" name="TextBox 7">
+            <a:extLst>
+              <a:ext uri="{FF2B5EF4-FFF2-40B4-BE49-F238E27FC236}">
+                <a16:creationId xmlns:a16="http://schemas.microsoft.com/office/drawing/2014/main" id="{949174A6-118C-0D19-747C-46D69D03E9E6}"/>
+              </a:ext>
+            </a:extLst>
+          </p:cNvPr>
+          <p:cNvSpPr txBox="1"/>
+          <p:nvPr/>
+        </p:nvSpPr>
+        <p:spPr>
+          <a:xfrm>
+            <a:off x="678222" y="4297764"/>
+            <a:ext cx="6890733" cy="369332"/>
+          </a:xfrm>
+          <a:prstGeom prst="rect">
+            <a:avLst/>
+          </a:prstGeom>
+          <a:noFill/>
+        </p:spPr>
+        <p:txBody>
+          <a:bodyPr wrap="none" rtlCol="0">
+            <a:spAutoFit/>
+          </a:bodyPr>
+          <a:lstStyle/>
+          <a:p>
+            <a:r>
+              <a:rPr lang="en-US" altLang="ko-KR" dirty="0"/>
+              <a:t>git checkout master // </a:t>
+            </a:r>
+            <a:r>
+              <a:rPr lang="ko-KR" altLang="en-US" dirty="0"/>
+              <a:t>마스터로 옮기기</a:t>
+            </a:r>
+            <a:r>
+              <a:rPr lang="en-US" altLang="ko-KR" dirty="0"/>
+              <a:t>(</a:t>
+            </a:r>
+            <a:r>
+              <a:rPr lang="ko-KR" altLang="en-US" dirty="0"/>
+              <a:t>현재가 </a:t>
+            </a:r>
+            <a:r>
+              <a:rPr lang="en-US" altLang="ko-KR" dirty="0"/>
+              <a:t>master</a:t>
+            </a:r>
+            <a:r>
+              <a:rPr lang="ko-KR" altLang="en-US" dirty="0"/>
+              <a:t>면 필요 없음</a:t>
+            </a:r>
+            <a:r>
+              <a:rPr lang="en-US" altLang="ko-KR" dirty="0"/>
+              <a:t>)</a:t>
+            </a:r>
+          </a:p>
+        </p:txBody>
+      </p:sp>
+      <p:sp>
+        <p:nvSpPr>
+          <p:cNvPr id="9" name="TextBox 8">
+            <a:extLst>
+              <a:ext uri="{FF2B5EF4-FFF2-40B4-BE49-F238E27FC236}">
+                <a16:creationId xmlns:a16="http://schemas.microsoft.com/office/drawing/2014/main" id="{60966594-BA79-0404-89EC-993E1BC14B49}"/>
+              </a:ext>
+            </a:extLst>
+          </p:cNvPr>
+          <p:cNvSpPr txBox="1"/>
+          <p:nvPr/>
+        </p:nvSpPr>
+        <p:spPr>
+          <a:xfrm>
+            <a:off x="678222" y="4666446"/>
+            <a:ext cx="1567930" cy="369332"/>
+          </a:xfrm>
+          <a:prstGeom prst="rect">
+            <a:avLst/>
+          </a:prstGeom>
+          <a:noFill/>
+        </p:spPr>
+        <p:txBody>
+          <a:bodyPr wrap="none" rtlCol="0">
+            <a:spAutoFit/>
+          </a:bodyPr>
+          <a:lstStyle/>
+          <a:p>
+            <a:r>
+              <a:rPr lang="en-US" altLang="ko-KR" dirty="0"/>
+              <a:t>git merge fix-a</a:t>
+            </a:r>
+          </a:p>
+        </p:txBody>
+      </p:sp>
+      <p:pic>
+        <p:nvPicPr>
+          <p:cNvPr id="10" name="그림 9">
+            <a:extLst>
+              <a:ext uri="{FF2B5EF4-FFF2-40B4-BE49-F238E27FC236}">
+                <a16:creationId xmlns:a16="http://schemas.microsoft.com/office/drawing/2014/main" id="{DC772011-FC3A-0F4C-D9EA-88EA942E8DD3}"/>
+              </a:ext>
+            </a:extLst>
+          </p:cNvPr>
+          <p:cNvPicPr>
+            <a:picLocks noChangeAspect="1"/>
+          </p:cNvPicPr>
+          <p:nvPr/>
+        </p:nvPicPr>
+        <p:blipFill>
+          <a:blip r:embed="rId3"/>
+          <a:stretch>
+            <a:fillRect/>
+          </a:stretch>
+        </p:blipFill>
+        <p:spPr>
+          <a:xfrm>
+            <a:off x="678222" y="5175181"/>
+            <a:ext cx="4592335" cy="1433446"/>
+          </a:xfrm>
+          <a:prstGeom prst="rect">
+            <a:avLst/>
+          </a:prstGeom>
+        </p:spPr>
+      </p:pic>
+      <p:pic>
+        <p:nvPicPr>
+          <p:cNvPr id="11" name="그림 10">
+            <a:extLst>
+              <a:ext uri="{FF2B5EF4-FFF2-40B4-BE49-F238E27FC236}">
+                <a16:creationId xmlns:a16="http://schemas.microsoft.com/office/drawing/2014/main" id="{4B8257CB-12BF-2805-4F42-DD29708AE92D}"/>
+              </a:ext>
+            </a:extLst>
+          </p:cNvPr>
+          <p:cNvPicPr>
+            <a:picLocks noChangeAspect="1"/>
+          </p:cNvPicPr>
+          <p:nvPr/>
+        </p:nvPicPr>
+        <p:blipFill>
+          <a:blip r:embed="rId4"/>
+          <a:stretch>
+            <a:fillRect/>
+          </a:stretch>
+        </p:blipFill>
+        <p:spPr>
+          <a:xfrm>
+            <a:off x="7799942" y="4258141"/>
+            <a:ext cx="3288611" cy="2288648"/>
+          </a:xfrm>
+          <a:prstGeom prst="rect">
+            <a:avLst/>
+          </a:prstGeom>
+        </p:spPr>
+      </p:pic>
+    </p:spTree>
+    <p:extLst>
+      <p:ext uri="{BB962C8B-B14F-4D97-AF65-F5344CB8AC3E}">
+        <p14:creationId xmlns:p14="http://schemas.microsoft.com/office/powerpoint/2010/main" val="1891031763"/>
+      </p:ext>
+    </p:extLst>
+  </p:cSld>
+  <p:clrMapOvr>
+    <a:masterClrMapping/>
+  </p:clrMapOvr>
+</p:sld>
+</file>
+
+<file path=ppt/slides/slide17.xml><?xml version="1.0" encoding="utf-8"?>
+<p:sld xmlns:a="http://schemas.openxmlformats.org/drawingml/2006/main" xmlns:r="http://schemas.openxmlformats.org/officeDocument/2006/relationships" xmlns:p="http://schemas.openxmlformats.org/presentationml/2006/main">
+  <p:cSld>
+    <p:spTree>
+      <p:nvGrpSpPr>
+        <p:cNvPr id="1" name=""/>
+        <p:cNvGrpSpPr/>
+        <p:nvPr/>
+      </p:nvGrpSpPr>
+      <p:grpSpPr>
+        <a:xfrm>
+          <a:off x="0" y="0"/>
+          <a:ext cx="0" cy="0"/>
+          <a:chOff x="0" y="0"/>
+          <a:chExt cx="0" cy="0"/>
+        </a:xfrm>
+      </p:grpSpPr>
+      <p:sp>
+        <p:nvSpPr>
+          <p:cNvPr id="2" name="제목 1">
+            <a:extLst>
+              <a:ext uri="{FF2B5EF4-FFF2-40B4-BE49-F238E27FC236}">
+                <a16:creationId xmlns:a16="http://schemas.microsoft.com/office/drawing/2014/main" id="{A09B4D91-0094-D345-04FF-8F569752BAC6}"/>
+              </a:ext>
+            </a:extLst>
+          </p:cNvPr>
+          <p:cNvSpPr>
+            <a:spLocks noGrp="1"/>
+          </p:cNvSpPr>
+          <p:nvPr>
+            <p:ph type="title"/>
+          </p:nvPr>
+        </p:nvSpPr>
+        <p:spPr/>
+        <p:txBody>
+          <a:bodyPr/>
+          <a:lstStyle/>
+          <a:p>
+            <a:r>
+              <a:rPr kumimoji="1" lang="ko-KR" altLang="en-US" dirty="0"/>
+              <a:t>실습</a:t>
+            </a:r>
+          </a:p>
+        </p:txBody>
+      </p:sp>
+      <p:pic>
+        <p:nvPicPr>
+          <p:cNvPr id="3" name="그림 2">
+            <a:extLst>
+              <a:ext uri="{FF2B5EF4-FFF2-40B4-BE49-F238E27FC236}">
+                <a16:creationId xmlns:a16="http://schemas.microsoft.com/office/drawing/2014/main" id="{5C1043E9-1FAC-0162-81DF-489D07581CD7}"/>
+              </a:ext>
+            </a:extLst>
+          </p:cNvPr>
+          <p:cNvPicPr>
+            <a:picLocks noChangeAspect="1"/>
+          </p:cNvPicPr>
+          <p:nvPr/>
+        </p:nvPicPr>
+        <p:blipFill>
+          <a:blip r:embed="rId2"/>
+          <a:stretch>
+            <a:fillRect/>
+          </a:stretch>
+        </p:blipFill>
+        <p:spPr>
+          <a:xfrm>
+            <a:off x="838200" y="2845723"/>
+            <a:ext cx="3886200" cy="3390957"/>
+          </a:xfrm>
+          <a:prstGeom prst="rect">
+            <a:avLst/>
+          </a:prstGeom>
+        </p:spPr>
+      </p:pic>
+      <p:sp>
+        <p:nvSpPr>
+          <p:cNvPr id="4" name="TextBox 3">
+            <a:extLst>
+              <a:ext uri="{FF2B5EF4-FFF2-40B4-BE49-F238E27FC236}">
+                <a16:creationId xmlns:a16="http://schemas.microsoft.com/office/drawing/2014/main" id="{25D60107-59B1-DDA1-77BE-144B8D65CA00}"/>
+              </a:ext>
+            </a:extLst>
+          </p:cNvPr>
+          <p:cNvSpPr txBox="1"/>
+          <p:nvPr/>
+        </p:nvSpPr>
+        <p:spPr>
+          <a:xfrm>
+            <a:off x="408182" y="1506022"/>
+            <a:ext cx="1872629" cy="369332"/>
+          </a:xfrm>
+          <a:prstGeom prst="rect">
+            <a:avLst/>
+          </a:prstGeom>
+          <a:noFill/>
+        </p:spPr>
+        <p:txBody>
+          <a:bodyPr wrap="none" rtlCol="0">
+            <a:spAutoFit/>
+          </a:bodyPr>
+          <a:lstStyle/>
+          <a:p>
+            <a:r>
+              <a:rPr lang="en-US" altLang="ko-KR" dirty="0"/>
+              <a:t>6.</a:t>
+            </a:r>
+            <a:r>
+              <a:rPr lang="ko-KR" altLang="en-US" dirty="0"/>
+              <a:t> </a:t>
+            </a:r>
+            <a:r>
+              <a:rPr lang="en-US" altLang="ko-KR" dirty="0" err="1"/>
+              <a:t>Github</a:t>
+            </a:r>
+            <a:r>
+              <a:rPr lang="ko-KR" altLang="en-US" dirty="0"/>
+              <a:t>로 </a:t>
+            </a:r>
+            <a:r>
+              <a:rPr lang="en-US" altLang="ko-KR" dirty="0"/>
+              <a:t>push</a:t>
+            </a:r>
+          </a:p>
+        </p:txBody>
+      </p:sp>
+      <p:sp>
+        <p:nvSpPr>
+          <p:cNvPr id="5" name="TextBox 4">
+            <a:extLst>
+              <a:ext uri="{FF2B5EF4-FFF2-40B4-BE49-F238E27FC236}">
+                <a16:creationId xmlns:a16="http://schemas.microsoft.com/office/drawing/2014/main" id="{0BAA9B6F-8042-58DE-2424-66461088AF0A}"/>
+              </a:ext>
+            </a:extLst>
+          </p:cNvPr>
+          <p:cNvSpPr txBox="1"/>
+          <p:nvPr/>
+        </p:nvSpPr>
+        <p:spPr>
+          <a:xfrm>
+            <a:off x="621542" y="1898873"/>
+            <a:ext cx="2572243" cy="369332"/>
+          </a:xfrm>
+          <a:prstGeom prst="rect">
+            <a:avLst/>
+          </a:prstGeom>
+          <a:noFill/>
+        </p:spPr>
+        <p:txBody>
+          <a:bodyPr wrap="none" rtlCol="0">
+            <a:spAutoFit/>
+          </a:bodyPr>
+          <a:lstStyle/>
+          <a:p>
+            <a:r>
+              <a:rPr lang="en-US" altLang="ko-KR" dirty="0"/>
+              <a:t>git push -u origin master</a:t>
+            </a:r>
+          </a:p>
+        </p:txBody>
+      </p:sp>
+      <p:pic>
+        <p:nvPicPr>
+          <p:cNvPr id="12" name="그림 11">
+            <a:extLst>
+              <a:ext uri="{FF2B5EF4-FFF2-40B4-BE49-F238E27FC236}">
+                <a16:creationId xmlns:a16="http://schemas.microsoft.com/office/drawing/2014/main" id="{D48C45A7-F63A-E885-48C5-87CFABF0D226}"/>
+              </a:ext>
+            </a:extLst>
+          </p:cNvPr>
+          <p:cNvPicPr>
+            <a:picLocks noChangeAspect="1"/>
+          </p:cNvPicPr>
+          <p:nvPr/>
+        </p:nvPicPr>
+        <p:blipFill>
+          <a:blip r:embed="rId3"/>
+          <a:stretch>
+            <a:fillRect/>
+          </a:stretch>
+        </p:blipFill>
+        <p:spPr>
+          <a:xfrm>
+            <a:off x="4419600" y="2941335"/>
+            <a:ext cx="7772400" cy="1599866"/>
+          </a:xfrm>
+          <a:prstGeom prst="rect">
+            <a:avLst/>
+          </a:prstGeom>
+        </p:spPr>
+      </p:pic>
+      <p:sp>
+        <p:nvSpPr>
+          <p:cNvPr id="13" name="TextBox 12">
+            <a:extLst>
+              <a:ext uri="{FF2B5EF4-FFF2-40B4-BE49-F238E27FC236}">
+                <a16:creationId xmlns:a16="http://schemas.microsoft.com/office/drawing/2014/main" id="{2151E98E-F917-8EF5-6483-3DE75D3DBB75}"/>
+              </a:ext>
+            </a:extLst>
+          </p:cNvPr>
+          <p:cNvSpPr txBox="1"/>
+          <p:nvPr/>
+        </p:nvSpPr>
+        <p:spPr>
+          <a:xfrm>
+            <a:off x="2781300" y="2428585"/>
+            <a:ext cx="7641451" cy="369332"/>
+          </a:xfrm>
+          <a:prstGeom prst="rect">
+            <a:avLst/>
+          </a:prstGeom>
+          <a:noFill/>
+        </p:spPr>
+        <p:txBody>
+          <a:bodyPr wrap="none" rtlCol="0">
+            <a:spAutoFit/>
+          </a:bodyPr>
+          <a:lstStyle/>
+          <a:p>
+            <a:r>
+              <a:rPr lang="en-US" altLang="ko-KR" dirty="0">
+                <a:solidFill>
+                  <a:srgbClr val="FF0000"/>
+                </a:solidFill>
+              </a:rPr>
+              <a:t>Local </a:t>
+            </a:r>
+            <a:r>
+              <a:rPr lang="ko-KR" altLang="en-US" dirty="0">
+                <a:solidFill>
+                  <a:srgbClr val="FF0000"/>
+                </a:solidFill>
+              </a:rPr>
+              <a:t>에는 </a:t>
+            </a:r>
+            <a:r>
+              <a:rPr lang="en-US" altLang="ko-KR" dirty="0">
+                <a:solidFill>
+                  <a:srgbClr val="FF0000"/>
+                </a:solidFill>
+              </a:rPr>
+              <a:t>fix-a (branch)</a:t>
+            </a:r>
+            <a:r>
+              <a:rPr lang="ko-KR" altLang="en-US" dirty="0">
+                <a:solidFill>
+                  <a:srgbClr val="FF0000"/>
+                </a:solidFill>
+              </a:rPr>
+              <a:t>가 남아 있으나 </a:t>
+            </a:r>
+            <a:r>
+              <a:rPr lang="en-US" altLang="ko-KR" dirty="0">
+                <a:solidFill>
+                  <a:srgbClr val="FF0000"/>
+                </a:solidFill>
+              </a:rPr>
+              <a:t>remote</a:t>
+            </a:r>
+            <a:r>
+              <a:rPr lang="ko-KR" altLang="en-US" dirty="0">
+                <a:solidFill>
+                  <a:srgbClr val="FF0000"/>
+                </a:solidFill>
+              </a:rPr>
+              <a:t>에 </a:t>
+            </a:r>
+            <a:r>
+              <a:rPr lang="en-US" altLang="ko-KR" dirty="0">
+                <a:solidFill>
+                  <a:srgbClr val="FF0000"/>
+                </a:solidFill>
+              </a:rPr>
+              <a:t>push </a:t>
+            </a:r>
+            <a:r>
+              <a:rPr lang="ko-KR" altLang="en-US" dirty="0">
+                <a:solidFill>
+                  <a:srgbClr val="FF0000"/>
+                </a:solidFill>
+              </a:rPr>
+              <a:t>될 때 </a:t>
+            </a:r>
+            <a:r>
+              <a:rPr lang="en-US" altLang="ko-KR" dirty="0">
+                <a:solidFill>
+                  <a:srgbClr val="FF0000"/>
+                </a:solidFill>
+              </a:rPr>
+              <a:t>branch </a:t>
+            </a:r>
+            <a:r>
+              <a:rPr lang="ko-KR" altLang="en-US" dirty="0">
+                <a:solidFill>
+                  <a:srgbClr val="FF0000"/>
+                </a:solidFill>
+              </a:rPr>
+              <a:t>없어짐</a:t>
+            </a:r>
+            <a:endParaRPr lang="en-US" altLang="ko-KR" dirty="0">
+              <a:solidFill>
+                <a:srgbClr val="FF0000"/>
+              </a:solidFill>
+            </a:endParaRPr>
+          </a:p>
+        </p:txBody>
+      </p:sp>
+    </p:spTree>
+    <p:extLst>
+      <p:ext uri="{BB962C8B-B14F-4D97-AF65-F5344CB8AC3E}">
+        <p14:creationId xmlns:p14="http://schemas.microsoft.com/office/powerpoint/2010/main" val="1391431890"/>
+      </p:ext>
+    </p:extLst>
+  </p:cSld>
+  <p:clrMapOvr>
+    <a:masterClrMapping/>
+  </p:clrMapOvr>
+</p:sld>
+</file>
+
+<file path=ppt/slides/slide18.xml><?xml version="1.0" encoding="utf-8"?>
 <p:sld xmlns:a="http://schemas.openxmlformats.org/drawingml/2006/main" xmlns:r="http://schemas.openxmlformats.org/officeDocument/2006/relationships" xmlns:p="http://schemas.openxmlformats.org/presentationml/2006/main">
   <p:cSld>
     <p:spTree>
@@ -9608,7 +10840,7 @@
 </p:sld>
 </file>
 
-<file path=ppt/slides/slide17.xml><?xml version="1.0" encoding="utf-8"?>
+<file path=ppt/slides/slide19.xml><?xml version="1.0" encoding="utf-8"?>
 <p:sld xmlns:a="http://schemas.openxmlformats.org/drawingml/2006/main" xmlns:r="http://schemas.openxmlformats.org/officeDocument/2006/relationships" xmlns:p="http://schemas.openxmlformats.org/presentationml/2006/main">
   <p:cSld>
     <p:spTree>
@@ -10671,1857 +11903,6 @@
     <p:extLst>
       <p:ext uri="{BB962C8B-B14F-4D97-AF65-F5344CB8AC3E}">
         <p14:creationId xmlns:p14="http://schemas.microsoft.com/office/powerpoint/2010/main" val="3695545020"/>
-      </p:ext>
-    </p:extLst>
-  </p:cSld>
-  <p:clrMapOvr>
-    <a:masterClrMapping/>
-  </p:clrMapOvr>
-</p:sld>
-</file>
-
-<file path=ppt/slides/slide18.xml><?xml version="1.0" encoding="utf-8"?>
-<p:sld xmlns:a="http://schemas.openxmlformats.org/drawingml/2006/main" xmlns:r="http://schemas.openxmlformats.org/officeDocument/2006/relationships" xmlns:p="http://schemas.openxmlformats.org/presentationml/2006/main">
-  <p:cSld>
-    <p:spTree>
-      <p:nvGrpSpPr>
-        <p:cNvPr id="1" name=""/>
-        <p:cNvGrpSpPr/>
-        <p:nvPr/>
-      </p:nvGrpSpPr>
-      <p:grpSpPr>
-        <a:xfrm>
-          <a:off x="0" y="0"/>
-          <a:ext cx="0" cy="0"/>
-          <a:chOff x="0" y="0"/>
-          <a:chExt cx="0" cy="0"/>
-        </a:xfrm>
-      </p:grpSpPr>
-      <p:sp>
-        <p:nvSpPr>
-          <p:cNvPr id="2" name="Title 1">
-            <a:extLst>
-              <a:ext uri="{FF2B5EF4-FFF2-40B4-BE49-F238E27FC236}">
-                <a16:creationId xmlns:a16="http://schemas.microsoft.com/office/drawing/2014/main" id="{62229B3C-063C-7D46-A1C8-F549088AAEE7}"/>
-              </a:ext>
-            </a:extLst>
-          </p:cNvPr>
-          <p:cNvSpPr>
-            <a:spLocks noGrp="1"/>
-          </p:cNvSpPr>
-          <p:nvPr>
-            <p:ph type="title"/>
-          </p:nvPr>
-        </p:nvSpPr>
-        <p:spPr/>
-        <p:txBody>
-          <a:bodyPr/>
-          <a:lstStyle/>
-          <a:p>
-            <a:r>
-              <a:rPr lang="en-US" dirty="0"/>
-              <a:t>Pull Request</a:t>
-            </a:r>
-            <a:r>
-              <a:rPr lang="ko-KR" altLang="en-US" dirty="0"/>
-              <a:t> 하기</a:t>
-            </a:r>
-            <a:endParaRPr lang="en-KR" dirty="0"/>
-          </a:p>
-        </p:txBody>
-      </p:sp>
-      <p:sp>
-        <p:nvSpPr>
-          <p:cNvPr id="3" name="Content Placeholder 2">
-            <a:extLst>
-              <a:ext uri="{FF2B5EF4-FFF2-40B4-BE49-F238E27FC236}">
-                <a16:creationId xmlns:a16="http://schemas.microsoft.com/office/drawing/2014/main" id="{F8A5D26A-5A62-F7DD-75A9-903D6ADC082D}"/>
-              </a:ext>
-            </a:extLst>
-          </p:cNvPr>
-          <p:cNvSpPr>
-            <a:spLocks noGrp="1"/>
-          </p:cNvSpPr>
-          <p:nvPr>
-            <p:ph idx="1"/>
-          </p:nvPr>
-        </p:nvSpPr>
-        <p:spPr/>
-        <p:txBody>
-          <a:bodyPr>
-            <a:normAutofit fontScale="85000" lnSpcReduction="10000"/>
-          </a:bodyPr>
-          <a:lstStyle/>
-          <a:p>
-            <a:pPr marL="0" indent="0" algn="l">
-              <a:lnSpc>
-                <a:spcPct val="120000"/>
-              </a:lnSpc>
-              <a:buNone/>
-            </a:pPr>
-            <a:r>
-              <a:rPr lang="en-US" b="1" i="0" dirty="0">
-                <a:solidFill>
-                  <a:srgbClr val="0D0D0D"/>
-                </a:solidFill>
-                <a:effectLst/>
-                <a:highlight>
-                  <a:srgbClr val="FFFFFF"/>
-                </a:highlight>
-                <a:latin typeface="Söhne"/>
-              </a:rPr>
-              <a:t>3. </a:t>
-            </a:r>
-            <a:r>
-              <a:rPr lang="ko-KR" altLang="en-US" b="1" i="0" dirty="0" err="1">
-                <a:solidFill>
-                  <a:srgbClr val="0D0D0D"/>
-                </a:solidFill>
-                <a:effectLst/>
-                <a:highlight>
-                  <a:srgbClr val="FFFFFF"/>
-                </a:highlight>
-                <a:latin typeface="Söhne"/>
-              </a:rPr>
-              <a:t>브랜치</a:t>
-            </a:r>
-            <a:r>
-              <a:rPr lang="ko-KR" altLang="en-US" b="1" i="0" dirty="0">
-                <a:solidFill>
-                  <a:srgbClr val="0D0D0D"/>
-                </a:solidFill>
-                <a:effectLst/>
-                <a:highlight>
-                  <a:srgbClr val="FFFFFF"/>
-                </a:highlight>
-                <a:latin typeface="Söhne"/>
-              </a:rPr>
-              <a:t> 생성 및 변경사항 적용</a:t>
-            </a:r>
-          </a:p>
-          <a:p>
-            <a:pPr lvl="1">
-              <a:lnSpc>
-                <a:spcPct val="120000"/>
-              </a:lnSpc>
-            </a:pPr>
-            <a:r>
-              <a:rPr lang="ko-KR" altLang="en-US" b="1" i="0" dirty="0">
-                <a:solidFill>
-                  <a:srgbClr val="0D0D0D"/>
-                </a:solidFill>
-                <a:effectLst/>
-                <a:highlight>
-                  <a:srgbClr val="FFFFFF"/>
-                </a:highlight>
-                <a:latin typeface="Söhne"/>
-              </a:rPr>
-              <a:t>새 </a:t>
-            </a:r>
-            <a:r>
-              <a:rPr lang="ko-KR" altLang="en-US" b="1" i="0" dirty="0" err="1">
-                <a:solidFill>
-                  <a:srgbClr val="0D0D0D"/>
-                </a:solidFill>
-                <a:effectLst/>
-                <a:highlight>
-                  <a:srgbClr val="FFFFFF"/>
-                </a:highlight>
-                <a:latin typeface="Söhne"/>
-              </a:rPr>
-              <a:t>브랜치</a:t>
-            </a:r>
-            <a:r>
-              <a:rPr lang="ko-KR" altLang="en-US" b="1" i="0" dirty="0">
-                <a:solidFill>
-                  <a:srgbClr val="0D0D0D"/>
-                </a:solidFill>
-                <a:effectLst/>
-                <a:highlight>
-                  <a:srgbClr val="FFFFFF"/>
-                </a:highlight>
-                <a:latin typeface="Söhne"/>
-              </a:rPr>
-              <a:t> 생성</a:t>
-            </a:r>
-            <a:endParaRPr lang="en-US" b="0" i="0" dirty="0">
-              <a:solidFill>
-                <a:srgbClr val="0D0D0D"/>
-              </a:solidFill>
-              <a:effectLst/>
-              <a:highlight>
-                <a:srgbClr val="FFFFFF"/>
-              </a:highlight>
-              <a:latin typeface="Söhne"/>
-            </a:endParaRPr>
-          </a:p>
-          <a:p>
-            <a:pPr lvl="2">
-              <a:lnSpc>
-                <a:spcPct val="120000"/>
-              </a:lnSpc>
-            </a:pPr>
-            <a:r>
-              <a:rPr lang="en-US" b="0" i="0" dirty="0">
-                <a:solidFill>
-                  <a:srgbClr val="0D0D0D"/>
-                </a:solidFill>
-                <a:effectLst/>
-                <a:highlight>
-                  <a:srgbClr val="FFFFFF"/>
-                </a:highlight>
-                <a:latin typeface="Söhne"/>
-              </a:rPr>
-              <a:t>git checkout -b your-new-branch-name </a:t>
-            </a:r>
-          </a:p>
-          <a:p>
-            <a:pPr lvl="1">
-              <a:lnSpc>
-                <a:spcPct val="120000"/>
-              </a:lnSpc>
-            </a:pPr>
-            <a:r>
-              <a:rPr lang="ko-KR" altLang="en-US" b="0" i="0" dirty="0" err="1">
-                <a:solidFill>
-                  <a:srgbClr val="0D0D0D"/>
-                </a:solidFill>
-                <a:effectLst/>
-                <a:highlight>
-                  <a:srgbClr val="FFFFFF"/>
-                </a:highlight>
-                <a:latin typeface="Söhne"/>
-              </a:rPr>
-              <a:t>브랜치</a:t>
-            </a:r>
-            <a:r>
-              <a:rPr lang="ko-KR" altLang="en-US" b="0" i="0" dirty="0">
-                <a:solidFill>
-                  <a:srgbClr val="0D0D0D"/>
-                </a:solidFill>
-                <a:effectLst/>
-                <a:highlight>
-                  <a:srgbClr val="FFFFFF"/>
-                </a:highlight>
-                <a:latin typeface="Söhne"/>
-              </a:rPr>
-              <a:t> 이름은 작업 내용을 반영하는 것이 좋습니다</a:t>
-            </a:r>
-            <a:r>
-              <a:rPr lang="en-US" altLang="ko-KR" b="0" i="0" dirty="0">
-                <a:solidFill>
-                  <a:srgbClr val="0D0D0D"/>
-                </a:solidFill>
-                <a:effectLst/>
-                <a:highlight>
-                  <a:srgbClr val="FFFFFF"/>
-                </a:highlight>
-                <a:latin typeface="Söhne"/>
-              </a:rPr>
-              <a:t>.</a:t>
-            </a:r>
-          </a:p>
-          <a:p>
-            <a:pPr lvl="1">
-              <a:lnSpc>
-                <a:spcPct val="120000"/>
-              </a:lnSpc>
-            </a:pPr>
-            <a:r>
-              <a:rPr lang="ko-KR" altLang="en-US" b="1" i="0" dirty="0">
-                <a:solidFill>
-                  <a:srgbClr val="0D0D0D"/>
-                </a:solidFill>
-                <a:effectLst/>
-                <a:highlight>
-                  <a:srgbClr val="FFFFFF"/>
-                </a:highlight>
-                <a:latin typeface="Söhne"/>
-              </a:rPr>
-              <a:t>필요한 변경 수행</a:t>
-            </a:r>
-            <a:r>
-              <a:rPr lang="en-US" altLang="ko-KR" b="0" i="0" dirty="0">
-                <a:solidFill>
-                  <a:srgbClr val="0D0D0D"/>
-                </a:solidFill>
-                <a:effectLst/>
-                <a:highlight>
-                  <a:srgbClr val="FFFFFF"/>
-                </a:highlight>
-                <a:latin typeface="Söhne"/>
-              </a:rPr>
-              <a:t>: </a:t>
-            </a:r>
-            <a:r>
-              <a:rPr lang="ko-KR" altLang="en-US" b="0" i="0" dirty="0">
-                <a:solidFill>
-                  <a:srgbClr val="0D0D0D"/>
-                </a:solidFill>
-                <a:effectLst/>
-                <a:highlight>
-                  <a:srgbClr val="FFFFFF"/>
-                </a:highlight>
-                <a:latin typeface="Söhne"/>
-              </a:rPr>
-              <a:t>코드를 수정하거나 새 파일을 추가하는 등의 작업을 수행합니다</a:t>
-            </a:r>
-            <a:r>
-              <a:rPr lang="en-US" altLang="ko-KR" b="0" i="0" dirty="0">
-                <a:solidFill>
-                  <a:srgbClr val="0D0D0D"/>
-                </a:solidFill>
-                <a:effectLst/>
-                <a:highlight>
-                  <a:srgbClr val="FFFFFF"/>
-                </a:highlight>
-                <a:latin typeface="Söhne"/>
-              </a:rPr>
-              <a:t>.</a:t>
-            </a:r>
-          </a:p>
-          <a:p>
-            <a:pPr lvl="1">
-              <a:lnSpc>
-                <a:spcPct val="120000"/>
-              </a:lnSpc>
-            </a:pPr>
-            <a:r>
-              <a:rPr lang="ko-KR" altLang="en-US" b="1" i="0" dirty="0">
-                <a:solidFill>
-                  <a:srgbClr val="0D0D0D"/>
-                </a:solidFill>
-                <a:effectLst/>
-                <a:highlight>
-                  <a:srgbClr val="FFFFFF"/>
-                </a:highlight>
-                <a:latin typeface="Söhne"/>
-              </a:rPr>
-              <a:t>변경사항을 </a:t>
-            </a:r>
-            <a:r>
-              <a:rPr lang="ko-KR" altLang="en-US" b="1" i="0" dirty="0" err="1">
-                <a:solidFill>
-                  <a:srgbClr val="0D0D0D"/>
-                </a:solidFill>
-                <a:effectLst/>
-                <a:highlight>
-                  <a:srgbClr val="FFFFFF"/>
-                </a:highlight>
-                <a:latin typeface="Söhne"/>
-              </a:rPr>
-              <a:t>스테이징하고</a:t>
-            </a:r>
-            <a:r>
-              <a:rPr lang="ko-KR" altLang="en-US" b="1" i="0" dirty="0">
-                <a:solidFill>
-                  <a:srgbClr val="0D0D0D"/>
-                </a:solidFill>
-                <a:effectLst/>
-                <a:highlight>
-                  <a:srgbClr val="FFFFFF"/>
-                </a:highlight>
-                <a:latin typeface="Söhne"/>
-              </a:rPr>
-              <a:t> </a:t>
-            </a:r>
-            <a:r>
-              <a:rPr lang="ko-KR" altLang="en-US" b="1" i="0" dirty="0" err="1">
-                <a:solidFill>
-                  <a:srgbClr val="0D0D0D"/>
-                </a:solidFill>
-                <a:effectLst/>
-                <a:highlight>
-                  <a:srgbClr val="FFFFFF"/>
-                </a:highlight>
-                <a:latin typeface="Söhne"/>
-              </a:rPr>
-              <a:t>커밋</a:t>
-            </a:r>
-            <a:endParaRPr lang="en-US" b="0" i="0" dirty="0">
-              <a:solidFill>
-                <a:srgbClr val="0D0D0D"/>
-              </a:solidFill>
-              <a:effectLst/>
-              <a:highlight>
-                <a:srgbClr val="FFFFFF"/>
-              </a:highlight>
-              <a:latin typeface="Söhne"/>
-            </a:endParaRPr>
-          </a:p>
-          <a:p>
-            <a:pPr lvl="2">
-              <a:lnSpc>
-                <a:spcPct val="120000"/>
-              </a:lnSpc>
-            </a:pPr>
-            <a:r>
-              <a:rPr lang="en-US" b="0" i="0" dirty="0">
-                <a:solidFill>
-                  <a:srgbClr val="0D0D0D"/>
-                </a:solidFill>
-                <a:effectLst/>
-                <a:highlight>
-                  <a:srgbClr val="FFFFFF"/>
-                </a:highlight>
-                <a:latin typeface="Söhne"/>
-              </a:rPr>
-              <a:t>git add . git commit -m </a:t>
-            </a:r>
-            <a:r>
-              <a:rPr lang="en-US" b="0" i="0" dirty="0">
-                <a:solidFill>
-                  <a:srgbClr val="00A67D"/>
-                </a:solidFill>
-                <a:effectLst/>
-                <a:highlight>
-                  <a:srgbClr val="FFFFFF"/>
-                </a:highlight>
-                <a:latin typeface="Söhne"/>
-              </a:rPr>
-              <a:t>"</a:t>
-            </a:r>
-            <a:r>
-              <a:rPr lang="ko-KR" altLang="en-US" b="0" i="0" dirty="0">
-                <a:solidFill>
-                  <a:srgbClr val="00A67D"/>
-                </a:solidFill>
-                <a:effectLst/>
-                <a:highlight>
-                  <a:srgbClr val="FFFFFF"/>
-                </a:highlight>
-                <a:latin typeface="Söhne"/>
-              </a:rPr>
-              <a:t>설명적인 </a:t>
-            </a:r>
-            <a:r>
-              <a:rPr lang="ko-KR" altLang="en-US" b="0" i="0" dirty="0" err="1">
-                <a:solidFill>
-                  <a:srgbClr val="00A67D"/>
-                </a:solidFill>
-                <a:effectLst/>
-                <a:highlight>
-                  <a:srgbClr val="FFFFFF"/>
-                </a:highlight>
-                <a:latin typeface="Söhne"/>
-              </a:rPr>
-              <a:t>커밋</a:t>
-            </a:r>
-            <a:r>
-              <a:rPr lang="ko-KR" altLang="en-US" b="0" i="0" dirty="0">
-                <a:solidFill>
-                  <a:srgbClr val="00A67D"/>
-                </a:solidFill>
-                <a:effectLst/>
-                <a:highlight>
-                  <a:srgbClr val="FFFFFF"/>
-                </a:highlight>
-                <a:latin typeface="Söhne"/>
-              </a:rPr>
-              <a:t> 메시지</a:t>
-            </a:r>
-            <a:r>
-              <a:rPr lang="en-US" altLang="ko-KR" b="0" i="0" dirty="0">
-                <a:solidFill>
-                  <a:srgbClr val="00A67D"/>
-                </a:solidFill>
-                <a:effectLst/>
-                <a:highlight>
-                  <a:srgbClr val="FFFFFF"/>
-                </a:highlight>
-                <a:latin typeface="Söhne"/>
-              </a:rPr>
-              <a:t>"</a:t>
-            </a:r>
-            <a:r>
-              <a:rPr lang="ko-KR" altLang="en-US" b="0" i="0" dirty="0">
-                <a:solidFill>
-                  <a:srgbClr val="0D0D0D"/>
-                </a:solidFill>
-                <a:effectLst/>
-                <a:highlight>
-                  <a:srgbClr val="FFFFFF"/>
-                </a:highlight>
-                <a:latin typeface="Söhne"/>
-              </a:rPr>
-              <a:t> </a:t>
-            </a:r>
-          </a:p>
-          <a:p>
-            <a:pPr marL="0" indent="0" algn="l">
-              <a:lnSpc>
-                <a:spcPct val="120000"/>
-              </a:lnSpc>
-              <a:buNone/>
-            </a:pPr>
-            <a:r>
-              <a:rPr lang="en-US" altLang="ko-KR" b="1" i="0" dirty="0">
-                <a:solidFill>
-                  <a:srgbClr val="0D0D0D"/>
-                </a:solidFill>
-                <a:effectLst/>
-                <a:highlight>
-                  <a:srgbClr val="FFFFFF"/>
-                </a:highlight>
-                <a:latin typeface="Söhne"/>
-              </a:rPr>
-              <a:t>4. </a:t>
-            </a:r>
-            <a:r>
-              <a:rPr lang="ko-KR" altLang="en-US" b="1" i="0" dirty="0">
-                <a:solidFill>
-                  <a:srgbClr val="0D0D0D"/>
-                </a:solidFill>
-                <a:effectLst/>
-                <a:highlight>
-                  <a:srgbClr val="FFFFFF"/>
-                </a:highlight>
-                <a:latin typeface="Söhne"/>
-              </a:rPr>
-              <a:t>변경사항을 </a:t>
-            </a:r>
-            <a:r>
-              <a:rPr lang="en-US" b="1" i="0" dirty="0">
-                <a:solidFill>
-                  <a:srgbClr val="0D0D0D"/>
-                </a:solidFill>
-                <a:effectLst/>
-                <a:highlight>
-                  <a:srgbClr val="FFFFFF"/>
-                </a:highlight>
-                <a:latin typeface="Söhne"/>
-              </a:rPr>
-              <a:t>GitHub</a:t>
-            </a:r>
-            <a:r>
-              <a:rPr lang="ko-KR" altLang="en-US" b="1" i="0" dirty="0">
-                <a:solidFill>
-                  <a:srgbClr val="0D0D0D"/>
-                </a:solidFill>
-                <a:effectLst/>
-                <a:highlight>
-                  <a:srgbClr val="FFFFFF"/>
-                </a:highlight>
-                <a:latin typeface="Söhne"/>
-              </a:rPr>
-              <a:t>에 </a:t>
-            </a:r>
-            <a:r>
-              <a:rPr lang="en-US" b="1" i="0" dirty="0">
-                <a:solidFill>
-                  <a:srgbClr val="0D0D0D"/>
-                </a:solidFill>
-                <a:effectLst/>
-                <a:highlight>
-                  <a:srgbClr val="FFFFFF"/>
-                </a:highlight>
-                <a:latin typeface="Söhne"/>
-              </a:rPr>
-              <a:t>Push</a:t>
-            </a:r>
-            <a:r>
-              <a:rPr lang="ko-KR" altLang="en-US" b="1" i="0" dirty="0">
-                <a:solidFill>
-                  <a:srgbClr val="0D0D0D"/>
-                </a:solidFill>
-                <a:effectLst/>
-                <a:highlight>
-                  <a:srgbClr val="FFFFFF"/>
-                </a:highlight>
-                <a:latin typeface="Söhne"/>
-              </a:rPr>
-              <a:t>하기</a:t>
-            </a:r>
-          </a:p>
-          <a:p>
-            <a:pPr lvl="1">
-              <a:lnSpc>
-                <a:spcPct val="120000"/>
-              </a:lnSpc>
-            </a:pPr>
-            <a:r>
-              <a:rPr lang="en-US" dirty="0">
-                <a:effectLst/>
-              </a:rPr>
-              <a:t>git push origin your-new-branch-name </a:t>
-            </a:r>
-          </a:p>
-          <a:p>
-            <a:pPr lvl="1">
-              <a:lnSpc>
-                <a:spcPct val="120000"/>
-              </a:lnSpc>
-            </a:pPr>
-            <a:r>
-              <a:rPr lang="ko-KR" altLang="en-US" b="0" i="0" dirty="0">
-                <a:solidFill>
-                  <a:srgbClr val="0D0D0D"/>
-                </a:solidFill>
-                <a:effectLst/>
-                <a:highlight>
-                  <a:srgbClr val="FFFFFF"/>
-                </a:highlight>
-                <a:latin typeface="Söhne"/>
-              </a:rPr>
-              <a:t>이 명령은 당신이 생성한 </a:t>
-            </a:r>
-            <a:r>
-              <a:rPr lang="ko-KR" altLang="en-US" b="0" i="0" dirty="0" err="1">
-                <a:solidFill>
-                  <a:srgbClr val="0D0D0D"/>
-                </a:solidFill>
-                <a:effectLst/>
-                <a:highlight>
-                  <a:srgbClr val="FFFFFF"/>
-                </a:highlight>
-                <a:latin typeface="Söhne"/>
-              </a:rPr>
-              <a:t>브랜치의</a:t>
-            </a:r>
-            <a:r>
-              <a:rPr lang="ko-KR" altLang="en-US" b="0" i="0" dirty="0">
-                <a:solidFill>
-                  <a:srgbClr val="0D0D0D"/>
-                </a:solidFill>
-                <a:effectLst/>
-                <a:highlight>
-                  <a:srgbClr val="FFFFFF"/>
-                </a:highlight>
-                <a:latin typeface="Söhne"/>
-              </a:rPr>
-              <a:t> 변경사항을 당신의 </a:t>
-            </a:r>
-            <a:r>
-              <a:rPr lang="en-US" b="0" i="0" dirty="0">
-                <a:solidFill>
-                  <a:srgbClr val="0D0D0D"/>
-                </a:solidFill>
-                <a:effectLst/>
-                <a:highlight>
-                  <a:srgbClr val="FFFFFF"/>
-                </a:highlight>
-                <a:latin typeface="Söhne"/>
-              </a:rPr>
-              <a:t>GitHub fork</a:t>
-            </a:r>
-            <a:r>
-              <a:rPr lang="ko-KR" altLang="en-US" b="0" i="0" dirty="0">
-                <a:solidFill>
-                  <a:srgbClr val="0D0D0D"/>
-                </a:solidFill>
-                <a:effectLst/>
-                <a:highlight>
-                  <a:srgbClr val="FFFFFF"/>
-                </a:highlight>
-                <a:latin typeface="Söhne"/>
-              </a:rPr>
-              <a:t>로 </a:t>
-            </a:r>
-            <a:r>
-              <a:rPr lang="en-US" b="0" i="0" dirty="0">
-                <a:solidFill>
-                  <a:srgbClr val="0D0D0D"/>
-                </a:solidFill>
-                <a:effectLst/>
-                <a:highlight>
-                  <a:srgbClr val="FFFFFF"/>
-                </a:highlight>
-                <a:latin typeface="Söhne"/>
-              </a:rPr>
-              <a:t>push</a:t>
-            </a:r>
-            <a:r>
-              <a:rPr lang="ko-KR" altLang="en-US" b="0" i="0" dirty="0">
-                <a:solidFill>
-                  <a:srgbClr val="0D0D0D"/>
-                </a:solidFill>
-                <a:effectLst/>
-                <a:highlight>
-                  <a:srgbClr val="FFFFFF"/>
-                </a:highlight>
-                <a:latin typeface="Söhne"/>
-              </a:rPr>
-              <a:t>합니다</a:t>
-            </a:r>
-            <a:r>
-              <a:rPr lang="en-US" altLang="ko-KR" b="0" i="0" dirty="0">
-                <a:solidFill>
-                  <a:srgbClr val="0D0D0D"/>
-                </a:solidFill>
-                <a:effectLst/>
-                <a:highlight>
-                  <a:srgbClr val="FFFFFF"/>
-                </a:highlight>
-                <a:latin typeface="Söhne"/>
-              </a:rPr>
-              <a:t>.</a:t>
-            </a:r>
-          </a:p>
-          <a:p>
-            <a:endParaRPr lang="en-KR" dirty="0"/>
-          </a:p>
-        </p:txBody>
-      </p:sp>
-    </p:spTree>
-    <p:extLst>
-      <p:ext uri="{BB962C8B-B14F-4D97-AF65-F5344CB8AC3E}">
-        <p14:creationId xmlns:p14="http://schemas.microsoft.com/office/powerpoint/2010/main" val="1368440918"/>
-      </p:ext>
-    </p:extLst>
-  </p:cSld>
-  <p:clrMapOvr>
-    <a:masterClrMapping/>
-  </p:clrMapOvr>
-</p:sld>
-</file>
-
-<file path=ppt/slides/slide19.xml><?xml version="1.0" encoding="utf-8"?>
-<p:sld xmlns:a="http://schemas.openxmlformats.org/drawingml/2006/main" xmlns:r="http://schemas.openxmlformats.org/officeDocument/2006/relationships" xmlns:p="http://schemas.openxmlformats.org/presentationml/2006/main">
-  <p:cSld>
-    <p:spTree>
-      <p:nvGrpSpPr>
-        <p:cNvPr id="1" name=""/>
-        <p:cNvGrpSpPr/>
-        <p:nvPr/>
-      </p:nvGrpSpPr>
-      <p:grpSpPr>
-        <a:xfrm>
-          <a:off x="0" y="0"/>
-          <a:ext cx="0" cy="0"/>
-          <a:chOff x="0" y="0"/>
-          <a:chExt cx="0" cy="0"/>
-        </a:xfrm>
-      </p:grpSpPr>
-      <p:sp>
-        <p:nvSpPr>
-          <p:cNvPr id="2" name="Title 1">
-            <a:extLst>
-              <a:ext uri="{FF2B5EF4-FFF2-40B4-BE49-F238E27FC236}">
-                <a16:creationId xmlns:a16="http://schemas.microsoft.com/office/drawing/2014/main" id="{D06E8545-80B5-5A02-5C5C-54A36AD80721}"/>
-              </a:ext>
-            </a:extLst>
-          </p:cNvPr>
-          <p:cNvSpPr>
-            <a:spLocks noGrp="1"/>
-          </p:cNvSpPr>
-          <p:nvPr>
-            <p:ph type="title"/>
-          </p:nvPr>
-        </p:nvSpPr>
-        <p:spPr/>
-        <p:txBody>
-          <a:bodyPr/>
-          <a:lstStyle/>
-          <a:p>
-            <a:r>
-              <a:rPr lang="en-US" dirty="0"/>
-              <a:t>Pull Request</a:t>
-            </a:r>
-            <a:r>
-              <a:rPr lang="ko-KR" altLang="en-US" dirty="0"/>
-              <a:t> 하기</a:t>
-            </a:r>
-            <a:endParaRPr lang="en-KR" dirty="0"/>
-          </a:p>
-        </p:txBody>
-      </p:sp>
-      <p:sp>
-        <p:nvSpPr>
-          <p:cNvPr id="3" name="Content Placeholder 2">
-            <a:extLst>
-              <a:ext uri="{FF2B5EF4-FFF2-40B4-BE49-F238E27FC236}">
-                <a16:creationId xmlns:a16="http://schemas.microsoft.com/office/drawing/2014/main" id="{016A395D-A08B-039B-C08F-95D40D119434}"/>
-              </a:ext>
-            </a:extLst>
-          </p:cNvPr>
-          <p:cNvSpPr>
-            <a:spLocks noGrp="1"/>
-          </p:cNvSpPr>
-          <p:nvPr>
-            <p:ph idx="1"/>
-          </p:nvPr>
-        </p:nvSpPr>
-        <p:spPr/>
-        <p:txBody>
-          <a:bodyPr>
-            <a:normAutofit fontScale="70000" lnSpcReduction="20000"/>
-          </a:bodyPr>
-          <a:lstStyle/>
-          <a:p>
-            <a:pPr marL="0" indent="0" algn="l">
-              <a:lnSpc>
-                <a:spcPct val="120000"/>
-              </a:lnSpc>
-              <a:buNone/>
-            </a:pPr>
-            <a:r>
-              <a:rPr lang="en-US" altLang="ko-KR" b="1" i="0" dirty="0">
-                <a:solidFill>
-                  <a:srgbClr val="0D0D0D"/>
-                </a:solidFill>
-                <a:effectLst/>
-                <a:highlight>
-                  <a:srgbClr val="FFFFFF"/>
-                </a:highlight>
-                <a:latin typeface="Söhne"/>
-              </a:rPr>
-              <a:t>5. </a:t>
-            </a:r>
-            <a:r>
-              <a:rPr lang="en-US" b="1" i="0" dirty="0">
-                <a:solidFill>
-                  <a:srgbClr val="0D0D0D"/>
-                </a:solidFill>
-                <a:effectLst/>
-                <a:highlight>
-                  <a:srgbClr val="FFFFFF"/>
-                </a:highlight>
-                <a:latin typeface="Söhne"/>
-              </a:rPr>
-              <a:t>Pull Request </a:t>
-            </a:r>
-            <a:r>
-              <a:rPr lang="ko-KR" altLang="en-US" b="1" i="0" dirty="0">
-                <a:solidFill>
-                  <a:srgbClr val="0D0D0D"/>
-                </a:solidFill>
-                <a:effectLst/>
-                <a:highlight>
-                  <a:srgbClr val="FFFFFF"/>
-                </a:highlight>
-                <a:latin typeface="Söhne"/>
-              </a:rPr>
-              <a:t>생성하기</a:t>
-            </a:r>
-          </a:p>
-          <a:p>
-            <a:pPr lvl="1">
-              <a:lnSpc>
-                <a:spcPct val="120000"/>
-              </a:lnSpc>
-            </a:pPr>
-            <a:r>
-              <a:rPr lang="en-US" b="1" i="0" dirty="0">
-                <a:solidFill>
-                  <a:srgbClr val="0D0D0D"/>
-                </a:solidFill>
-                <a:effectLst/>
-                <a:highlight>
-                  <a:srgbClr val="FFFFFF"/>
-                </a:highlight>
-                <a:latin typeface="Söhne"/>
-              </a:rPr>
-              <a:t>GitHub</a:t>
-            </a:r>
-            <a:r>
-              <a:rPr lang="ko-KR" altLang="en-US" b="1" i="0" dirty="0">
-                <a:solidFill>
-                  <a:srgbClr val="0D0D0D"/>
-                </a:solidFill>
-                <a:effectLst/>
-                <a:highlight>
-                  <a:srgbClr val="FFFFFF"/>
-                </a:highlight>
-                <a:latin typeface="Söhne"/>
-              </a:rPr>
-              <a:t>로 이동</a:t>
-            </a:r>
-            <a:r>
-              <a:rPr lang="en-US" altLang="ko-KR" b="0" i="0" dirty="0">
-                <a:solidFill>
-                  <a:srgbClr val="0D0D0D"/>
-                </a:solidFill>
-                <a:effectLst/>
-                <a:highlight>
-                  <a:srgbClr val="FFFFFF"/>
-                </a:highlight>
-                <a:latin typeface="Söhne"/>
-              </a:rPr>
-              <a:t>: </a:t>
-            </a:r>
-            <a:r>
-              <a:rPr lang="ko-KR" altLang="en-US" b="0" i="0" dirty="0">
-                <a:solidFill>
-                  <a:srgbClr val="0D0D0D"/>
-                </a:solidFill>
-                <a:effectLst/>
-                <a:highlight>
-                  <a:srgbClr val="FFFFFF"/>
-                </a:highlight>
-                <a:latin typeface="Söhne"/>
-              </a:rPr>
-              <a:t>원본 저장소의 </a:t>
-            </a:r>
-            <a:r>
-              <a:rPr lang="en-US" b="0" i="0" dirty="0">
-                <a:solidFill>
-                  <a:srgbClr val="0D0D0D"/>
-                </a:solidFill>
-                <a:effectLst/>
-                <a:highlight>
-                  <a:srgbClr val="FFFFFF"/>
-                </a:highlight>
-                <a:latin typeface="Söhne"/>
-              </a:rPr>
-              <a:t>GitHub </a:t>
-            </a:r>
-            <a:r>
-              <a:rPr lang="ko-KR" altLang="en-US" b="0" i="0" dirty="0">
-                <a:solidFill>
-                  <a:srgbClr val="0D0D0D"/>
-                </a:solidFill>
-                <a:effectLst/>
-                <a:highlight>
-                  <a:srgbClr val="FFFFFF"/>
-                </a:highlight>
-                <a:latin typeface="Söhne"/>
-              </a:rPr>
-              <a:t>페이지로 이동합니다</a:t>
-            </a:r>
-            <a:r>
-              <a:rPr lang="en-US" altLang="ko-KR" b="0" i="0" dirty="0">
-                <a:solidFill>
-                  <a:srgbClr val="0D0D0D"/>
-                </a:solidFill>
-                <a:effectLst/>
-                <a:highlight>
-                  <a:srgbClr val="FFFFFF"/>
-                </a:highlight>
-                <a:latin typeface="Söhne"/>
-              </a:rPr>
-              <a:t>.</a:t>
-            </a:r>
-          </a:p>
-          <a:p>
-            <a:pPr lvl="1">
-              <a:lnSpc>
-                <a:spcPct val="120000"/>
-              </a:lnSpc>
-            </a:pPr>
-            <a:r>
-              <a:rPr lang="en-US" altLang="ko-KR" b="1" i="0" dirty="0">
-                <a:solidFill>
-                  <a:srgbClr val="0D0D0D"/>
-                </a:solidFill>
-                <a:effectLst/>
-                <a:highlight>
-                  <a:srgbClr val="FFFFFF"/>
-                </a:highlight>
-                <a:latin typeface="Söhne"/>
-              </a:rPr>
-              <a:t>'</a:t>
-            </a:r>
-            <a:r>
-              <a:rPr lang="en-US" b="1" i="0" dirty="0">
-                <a:solidFill>
-                  <a:srgbClr val="0D0D0D"/>
-                </a:solidFill>
-                <a:effectLst/>
-                <a:highlight>
-                  <a:srgbClr val="FFFFFF"/>
-                </a:highlight>
-                <a:latin typeface="Söhne"/>
-              </a:rPr>
-              <a:t>New pull request' </a:t>
-            </a:r>
-            <a:r>
-              <a:rPr lang="ko-KR" altLang="en-US" b="1" i="0" dirty="0">
-                <a:solidFill>
-                  <a:srgbClr val="0D0D0D"/>
-                </a:solidFill>
-                <a:effectLst/>
-                <a:highlight>
-                  <a:srgbClr val="FFFFFF"/>
-                </a:highlight>
-                <a:latin typeface="Söhne"/>
-              </a:rPr>
-              <a:t>버튼 클릭</a:t>
-            </a:r>
-            <a:r>
-              <a:rPr lang="en-US" altLang="ko-KR" b="0" i="0" dirty="0">
-                <a:solidFill>
-                  <a:srgbClr val="0D0D0D"/>
-                </a:solidFill>
-                <a:effectLst/>
-                <a:highlight>
-                  <a:srgbClr val="FFFFFF"/>
-                </a:highlight>
-                <a:latin typeface="Söhne"/>
-              </a:rPr>
-              <a:t>: </a:t>
-            </a:r>
-            <a:r>
-              <a:rPr lang="ko-KR" altLang="en-US" b="0" i="0" dirty="0">
-                <a:solidFill>
-                  <a:srgbClr val="0D0D0D"/>
-                </a:solidFill>
-                <a:effectLst/>
-                <a:highlight>
-                  <a:srgbClr val="FFFFFF"/>
-                </a:highlight>
-                <a:latin typeface="Söhne"/>
-              </a:rPr>
-              <a:t>원본 저장소의 </a:t>
-            </a:r>
-            <a:r>
-              <a:rPr lang="en-US" altLang="ko-KR" b="0" i="0" dirty="0">
-                <a:solidFill>
-                  <a:srgbClr val="0D0D0D"/>
-                </a:solidFill>
-                <a:effectLst/>
-                <a:highlight>
-                  <a:srgbClr val="FFFFFF"/>
-                </a:highlight>
-                <a:latin typeface="Söhne"/>
-              </a:rPr>
-              <a:t>'</a:t>
-            </a:r>
-            <a:r>
-              <a:rPr lang="en-US" b="0" i="0" dirty="0">
-                <a:solidFill>
-                  <a:srgbClr val="0D0D0D"/>
-                </a:solidFill>
-                <a:effectLst/>
-                <a:highlight>
-                  <a:srgbClr val="FFFFFF"/>
-                </a:highlight>
-                <a:latin typeface="Söhne"/>
-              </a:rPr>
-              <a:t>Pull requests' </a:t>
-            </a:r>
-            <a:r>
-              <a:rPr lang="ko-KR" altLang="en-US" b="0" i="0" dirty="0">
-                <a:solidFill>
-                  <a:srgbClr val="0D0D0D"/>
-                </a:solidFill>
-                <a:effectLst/>
-                <a:highlight>
-                  <a:srgbClr val="FFFFFF"/>
-                </a:highlight>
-                <a:latin typeface="Söhne"/>
-              </a:rPr>
-              <a:t>탭을 클릭하고 </a:t>
-            </a:r>
-            <a:r>
-              <a:rPr lang="en-US" altLang="ko-KR" b="0" i="0" dirty="0">
-                <a:solidFill>
-                  <a:srgbClr val="0D0D0D"/>
-                </a:solidFill>
-                <a:effectLst/>
-                <a:highlight>
-                  <a:srgbClr val="FFFFFF"/>
-                </a:highlight>
-                <a:latin typeface="Söhne"/>
-              </a:rPr>
-              <a:t>'</a:t>
-            </a:r>
-            <a:r>
-              <a:rPr lang="en-US" b="0" i="0" dirty="0">
-                <a:solidFill>
-                  <a:srgbClr val="0D0D0D"/>
-                </a:solidFill>
-                <a:effectLst/>
-                <a:highlight>
-                  <a:srgbClr val="FFFFFF"/>
-                </a:highlight>
-                <a:latin typeface="Söhne"/>
-              </a:rPr>
-              <a:t>New pull request' </a:t>
-            </a:r>
-            <a:r>
-              <a:rPr lang="ko-KR" altLang="en-US" b="0" i="0" dirty="0">
-                <a:solidFill>
-                  <a:srgbClr val="0D0D0D"/>
-                </a:solidFill>
-                <a:effectLst/>
-                <a:highlight>
-                  <a:srgbClr val="FFFFFF"/>
-                </a:highlight>
-                <a:latin typeface="Söhne"/>
-              </a:rPr>
-              <a:t>버튼을 클릭합니다</a:t>
-            </a:r>
-            <a:r>
-              <a:rPr lang="en-US" altLang="ko-KR" b="0" i="0" dirty="0">
-                <a:solidFill>
-                  <a:srgbClr val="0D0D0D"/>
-                </a:solidFill>
-                <a:effectLst/>
-                <a:highlight>
-                  <a:srgbClr val="FFFFFF"/>
-                </a:highlight>
-                <a:latin typeface="Söhne"/>
-              </a:rPr>
-              <a:t>.</a:t>
-            </a:r>
-          </a:p>
-          <a:p>
-            <a:pPr lvl="1">
-              <a:lnSpc>
-                <a:spcPct val="120000"/>
-              </a:lnSpc>
-            </a:pPr>
-            <a:r>
-              <a:rPr lang="en-US" b="1" i="0" dirty="0">
-                <a:solidFill>
-                  <a:srgbClr val="0D0D0D"/>
-                </a:solidFill>
-                <a:effectLst/>
-                <a:highlight>
-                  <a:srgbClr val="FFFFFF"/>
-                </a:highlight>
-                <a:latin typeface="Söhne"/>
-              </a:rPr>
-              <a:t>Compare branch </a:t>
-            </a:r>
-            <a:r>
-              <a:rPr lang="ko-KR" altLang="en-US" b="1" i="0" dirty="0">
-                <a:solidFill>
-                  <a:srgbClr val="0D0D0D"/>
-                </a:solidFill>
-                <a:effectLst/>
-                <a:highlight>
-                  <a:srgbClr val="FFFFFF"/>
-                </a:highlight>
-                <a:latin typeface="Söhne"/>
-              </a:rPr>
-              <a:t>선택</a:t>
-            </a:r>
-            <a:r>
-              <a:rPr lang="en-US" altLang="ko-KR" b="0" i="0" dirty="0">
-                <a:solidFill>
-                  <a:srgbClr val="0D0D0D"/>
-                </a:solidFill>
-                <a:effectLst/>
-                <a:highlight>
-                  <a:srgbClr val="FFFFFF"/>
-                </a:highlight>
-                <a:latin typeface="Söhne"/>
-              </a:rPr>
-              <a:t>:</a:t>
-            </a:r>
-          </a:p>
-          <a:p>
-            <a:pPr lvl="2">
-              <a:lnSpc>
-                <a:spcPct val="120000"/>
-              </a:lnSpc>
-            </a:pPr>
-            <a:r>
-              <a:rPr lang="en-US" altLang="ko-KR" b="0" i="0" dirty="0">
-                <a:solidFill>
-                  <a:srgbClr val="0D0D0D"/>
-                </a:solidFill>
-                <a:effectLst/>
-                <a:highlight>
-                  <a:srgbClr val="FFFFFF"/>
-                </a:highlight>
-                <a:latin typeface="Söhne"/>
-              </a:rPr>
-              <a:t>'</a:t>
-            </a:r>
-            <a:r>
-              <a:rPr lang="en-US" b="0" i="0" dirty="0">
-                <a:solidFill>
-                  <a:srgbClr val="0D0D0D"/>
-                </a:solidFill>
-                <a:effectLst/>
-                <a:highlight>
-                  <a:srgbClr val="FFFFFF"/>
-                </a:highlight>
-                <a:latin typeface="Söhne"/>
-              </a:rPr>
-              <a:t>compare across forks' </a:t>
-            </a:r>
-            <a:r>
-              <a:rPr lang="ko-KR" altLang="en-US" b="0" i="0" dirty="0">
-                <a:solidFill>
-                  <a:srgbClr val="0D0D0D"/>
-                </a:solidFill>
-                <a:effectLst/>
-                <a:highlight>
-                  <a:srgbClr val="FFFFFF"/>
-                </a:highlight>
-                <a:latin typeface="Söhne"/>
-              </a:rPr>
-              <a:t>링크를 클릭합니다</a:t>
-            </a:r>
-            <a:r>
-              <a:rPr lang="en-US" altLang="ko-KR" b="0" i="0" dirty="0">
-                <a:solidFill>
-                  <a:srgbClr val="0D0D0D"/>
-                </a:solidFill>
-                <a:effectLst/>
-                <a:highlight>
-                  <a:srgbClr val="FFFFFF"/>
-                </a:highlight>
-                <a:latin typeface="Söhne"/>
-              </a:rPr>
-              <a:t>.</a:t>
-            </a:r>
-          </a:p>
-          <a:p>
-            <a:pPr lvl="2">
-              <a:lnSpc>
-                <a:spcPct val="120000"/>
-              </a:lnSpc>
-            </a:pPr>
-            <a:r>
-              <a:rPr lang="en-US" b="0" i="0" dirty="0">
-                <a:solidFill>
-                  <a:srgbClr val="0D0D0D"/>
-                </a:solidFill>
-                <a:effectLst/>
-                <a:highlight>
-                  <a:srgbClr val="FFFFFF"/>
-                </a:highlight>
-                <a:latin typeface="Söhne"/>
-              </a:rPr>
-              <a:t>base fork</a:t>
-            </a:r>
-            <a:r>
-              <a:rPr lang="ko-KR" altLang="en-US" b="0" i="0" dirty="0">
-                <a:solidFill>
-                  <a:srgbClr val="0D0D0D"/>
-                </a:solidFill>
-                <a:effectLst/>
-                <a:highlight>
-                  <a:srgbClr val="FFFFFF"/>
-                </a:highlight>
-                <a:latin typeface="Söhne"/>
-              </a:rPr>
-              <a:t>는 원본 저장소가 되어야 하며</a:t>
-            </a:r>
-            <a:r>
-              <a:rPr lang="en-US" altLang="ko-KR" b="0" i="0" dirty="0">
-                <a:solidFill>
-                  <a:srgbClr val="0D0D0D"/>
-                </a:solidFill>
-                <a:effectLst/>
-                <a:highlight>
-                  <a:srgbClr val="FFFFFF"/>
-                </a:highlight>
-                <a:latin typeface="Söhne"/>
-              </a:rPr>
-              <a:t>, </a:t>
-            </a:r>
-            <a:r>
-              <a:rPr lang="en-US" b="0" i="0" dirty="0">
-                <a:solidFill>
-                  <a:srgbClr val="0D0D0D"/>
-                </a:solidFill>
-                <a:effectLst/>
-                <a:highlight>
-                  <a:srgbClr val="FFFFFF"/>
-                </a:highlight>
-                <a:latin typeface="Söhne"/>
-              </a:rPr>
-              <a:t>head fork</a:t>
-            </a:r>
-            <a:r>
-              <a:rPr lang="ko-KR" altLang="en-US" b="0" i="0" dirty="0">
-                <a:solidFill>
-                  <a:srgbClr val="0D0D0D"/>
-                </a:solidFill>
-                <a:effectLst/>
-                <a:highlight>
-                  <a:srgbClr val="FFFFFF"/>
-                </a:highlight>
-                <a:latin typeface="Söhne"/>
-              </a:rPr>
-              <a:t>는 당신의 </a:t>
-            </a:r>
-            <a:r>
-              <a:rPr lang="en-US" b="0" i="0" dirty="0">
-                <a:solidFill>
-                  <a:srgbClr val="0D0D0D"/>
-                </a:solidFill>
-                <a:effectLst/>
-                <a:highlight>
-                  <a:srgbClr val="FFFFFF"/>
-                </a:highlight>
-                <a:latin typeface="Söhne"/>
-              </a:rPr>
-              <a:t>fork</a:t>
-            </a:r>
-            <a:r>
-              <a:rPr lang="ko-KR" altLang="en-US" b="0" i="0" dirty="0">
-                <a:solidFill>
-                  <a:srgbClr val="0D0D0D"/>
-                </a:solidFill>
-                <a:effectLst/>
-                <a:highlight>
-                  <a:srgbClr val="FFFFFF"/>
-                </a:highlight>
-                <a:latin typeface="Söhne"/>
-              </a:rPr>
-              <a:t>가 됩니다</a:t>
-            </a:r>
-            <a:r>
-              <a:rPr lang="en-US" altLang="ko-KR" b="0" i="0" dirty="0">
-                <a:solidFill>
-                  <a:srgbClr val="0D0D0D"/>
-                </a:solidFill>
-                <a:effectLst/>
-                <a:highlight>
-                  <a:srgbClr val="FFFFFF"/>
-                </a:highlight>
-                <a:latin typeface="Söhne"/>
-              </a:rPr>
-              <a:t>.</a:t>
-            </a:r>
-          </a:p>
-          <a:p>
-            <a:pPr lvl="2">
-              <a:lnSpc>
-                <a:spcPct val="120000"/>
-              </a:lnSpc>
-            </a:pPr>
-            <a:r>
-              <a:rPr lang="en-US" b="0" i="0" dirty="0">
-                <a:solidFill>
-                  <a:srgbClr val="0D0D0D"/>
-                </a:solidFill>
-                <a:effectLst/>
-                <a:highlight>
-                  <a:srgbClr val="FFFFFF"/>
-                </a:highlight>
-                <a:latin typeface="Söhne"/>
-              </a:rPr>
-              <a:t>base branch</a:t>
-            </a:r>
-            <a:r>
-              <a:rPr lang="ko-KR" altLang="en-US" b="0" i="0" dirty="0">
-                <a:solidFill>
-                  <a:srgbClr val="0D0D0D"/>
-                </a:solidFill>
-                <a:effectLst/>
-                <a:highlight>
-                  <a:srgbClr val="FFFFFF"/>
-                </a:highlight>
-                <a:latin typeface="Söhne"/>
-              </a:rPr>
-              <a:t>는 변경을 받을 원본 저장소의 </a:t>
-            </a:r>
-            <a:r>
-              <a:rPr lang="ko-KR" altLang="en-US" b="0" i="0" dirty="0" err="1">
-                <a:solidFill>
-                  <a:srgbClr val="0D0D0D"/>
-                </a:solidFill>
-                <a:effectLst/>
-                <a:highlight>
-                  <a:srgbClr val="FFFFFF"/>
-                </a:highlight>
-                <a:latin typeface="Söhne"/>
-              </a:rPr>
-              <a:t>브랜치</a:t>
-            </a:r>
-            <a:r>
-              <a:rPr lang="en-US" altLang="ko-KR" b="0" i="0" dirty="0">
-                <a:solidFill>
-                  <a:srgbClr val="0D0D0D"/>
-                </a:solidFill>
-                <a:effectLst/>
-                <a:highlight>
-                  <a:srgbClr val="FFFFFF"/>
-                </a:highlight>
-                <a:latin typeface="Söhne"/>
-              </a:rPr>
-              <a:t>(</a:t>
-            </a:r>
-            <a:r>
-              <a:rPr lang="ko-KR" altLang="en-US" b="0" i="0" dirty="0">
-                <a:solidFill>
-                  <a:srgbClr val="0D0D0D"/>
-                </a:solidFill>
-                <a:effectLst/>
-                <a:highlight>
-                  <a:srgbClr val="FFFFFF"/>
-                </a:highlight>
-                <a:latin typeface="Söhne"/>
-              </a:rPr>
-              <a:t>보통 </a:t>
-            </a:r>
-            <a:r>
-              <a:rPr lang="en-US" b="0" i="0" dirty="0">
-                <a:solidFill>
-                  <a:srgbClr val="0D0D0D"/>
-                </a:solidFill>
-                <a:effectLst/>
-                <a:highlight>
-                  <a:srgbClr val="FFFFFF"/>
-                </a:highlight>
-                <a:latin typeface="Söhne"/>
-              </a:rPr>
-              <a:t>main </a:t>
-            </a:r>
-            <a:r>
-              <a:rPr lang="ko-KR" altLang="en-US" b="0" i="0" dirty="0">
-                <a:solidFill>
-                  <a:srgbClr val="0D0D0D"/>
-                </a:solidFill>
-                <a:effectLst/>
-                <a:highlight>
-                  <a:srgbClr val="FFFFFF"/>
-                </a:highlight>
-                <a:latin typeface="Söhne"/>
-              </a:rPr>
-              <a:t>또는 </a:t>
-            </a:r>
-            <a:r>
-              <a:rPr lang="en-US" b="0" i="0" dirty="0">
-                <a:solidFill>
-                  <a:srgbClr val="0D0D0D"/>
-                </a:solidFill>
-                <a:effectLst/>
-                <a:highlight>
-                  <a:srgbClr val="FFFFFF"/>
-                </a:highlight>
-                <a:latin typeface="Söhne"/>
-              </a:rPr>
-              <a:t>master), compare branch</a:t>
-            </a:r>
-            <a:r>
-              <a:rPr lang="ko-KR" altLang="en-US" b="0" i="0" dirty="0">
-                <a:solidFill>
-                  <a:srgbClr val="0D0D0D"/>
-                </a:solidFill>
-                <a:effectLst/>
-                <a:highlight>
-                  <a:srgbClr val="FFFFFF"/>
-                </a:highlight>
-                <a:latin typeface="Söhne"/>
-              </a:rPr>
-              <a:t>는 당신이 변경을 가한 </a:t>
-            </a:r>
-            <a:r>
-              <a:rPr lang="ko-KR" altLang="en-US" b="0" i="0" dirty="0" err="1">
-                <a:solidFill>
-                  <a:srgbClr val="0D0D0D"/>
-                </a:solidFill>
-                <a:effectLst/>
-                <a:highlight>
-                  <a:srgbClr val="FFFFFF"/>
-                </a:highlight>
-                <a:latin typeface="Söhne"/>
-              </a:rPr>
-              <a:t>브랜치입니다</a:t>
-            </a:r>
-            <a:r>
-              <a:rPr lang="en-US" altLang="ko-KR" b="0" i="0" dirty="0">
-                <a:solidFill>
-                  <a:srgbClr val="0D0D0D"/>
-                </a:solidFill>
-                <a:effectLst/>
-                <a:highlight>
-                  <a:srgbClr val="FFFFFF"/>
-                </a:highlight>
-                <a:latin typeface="Söhne"/>
-              </a:rPr>
-              <a:t>.</a:t>
-            </a:r>
-          </a:p>
-          <a:p>
-            <a:pPr lvl="1">
-              <a:lnSpc>
-                <a:spcPct val="120000"/>
-              </a:lnSpc>
-            </a:pPr>
-            <a:r>
-              <a:rPr lang="en-US" b="1" i="0" dirty="0">
-                <a:solidFill>
-                  <a:srgbClr val="0D0D0D"/>
-                </a:solidFill>
-                <a:effectLst/>
-                <a:highlight>
-                  <a:srgbClr val="FFFFFF"/>
-                </a:highlight>
-                <a:latin typeface="Söhne"/>
-              </a:rPr>
-              <a:t>Pull Request </a:t>
-            </a:r>
-            <a:r>
-              <a:rPr lang="ko-KR" altLang="en-US" b="1" i="0" dirty="0">
-                <a:solidFill>
-                  <a:srgbClr val="0D0D0D"/>
-                </a:solidFill>
-                <a:effectLst/>
-                <a:highlight>
-                  <a:srgbClr val="FFFFFF"/>
-                </a:highlight>
-                <a:latin typeface="Söhne"/>
-              </a:rPr>
-              <a:t>검토 및 생성</a:t>
-            </a:r>
-            <a:r>
-              <a:rPr lang="en-US" altLang="ko-KR" b="0" i="0" dirty="0">
-                <a:solidFill>
-                  <a:srgbClr val="0D0D0D"/>
-                </a:solidFill>
-                <a:effectLst/>
-                <a:highlight>
-                  <a:srgbClr val="FFFFFF"/>
-                </a:highlight>
-                <a:latin typeface="Söhne"/>
-              </a:rPr>
-              <a:t>:</a:t>
-            </a:r>
-          </a:p>
-          <a:p>
-            <a:pPr lvl="1">
-              <a:lnSpc>
-                <a:spcPct val="120000"/>
-              </a:lnSpc>
-            </a:pPr>
-            <a:r>
-              <a:rPr lang="ko-KR" altLang="en-US" b="0" i="0" dirty="0">
-                <a:solidFill>
-                  <a:srgbClr val="0D0D0D"/>
-                </a:solidFill>
-                <a:effectLst/>
-                <a:highlight>
-                  <a:srgbClr val="FFFFFF"/>
-                </a:highlight>
-                <a:latin typeface="Söhne"/>
-              </a:rPr>
-              <a:t>변경 내용을 검토하고</a:t>
-            </a:r>
-            <a:r>
-              <a:rPr lang="en-US" altLang="ko-KR" b="0" i="0" dirty="0">
-                <a:solidFill>
-                  <a:srgbClr val="0D0D0D"/>
-                </a:solidFill>
-                <a:effectLst/>
-                <a:highlight>
-                  <a:srgbClr val="FFFFFF"/>
-                </a:highlight>
-                <a:latin typeface="Söhne"/>
-              </a:rPr>
-              <a:t>, '</a:t>
-            </a:r>
-            <a:r>
-              <a:rPr lang="en-US" b="0" i="0" dirty="0">
-                <a:solidFill>
-                  <a:srgbClr val="0D0D0D"/>
-                </a:solidFill>
-                <a:effectLst/>
-                <a:highlight>
-                  <a:srgbClr val="FFFFFF"/>
-                </a:highlight>
-                <a:latin typeface="Söhne"/>
-              </a:rPr>
-              <a:t>Create pull request'</a:t>
-            </a:r>
-            <a:r>
-              <a:rPr lang="ko-KR" altLang="en-US" b="0" i="0" dirty="0" err="1">
-                <a:solidFill>
-                  <a:srgbClr val="0D0D0D"/>
-                </a:solidFill>
-                <a:effectLst/>
-                <a:highlight>
-                  <a:srgbClr val="FFFFFF"/>
-                </a:highlight>
-                <a:latin typeface="Söhne"/>
-              </a:rPr>
-              <a:t>를</a:t>
-            </a:r>
-            <a:r>
-              <a:rPr lang="ko-KR" altLang="en-US" b="0" i="0" dirty="0">
-                <a:solidFill>
-                  <a:srgbClr val="0D0D0D"/>
-                </a:solidFill>
-                <a:effectLst/>
-                <a:highlight>
-                  <a:srgbClr val="FFFFFF"/>
-                </a:highlight>
-                <a:latin typeface="Söhne"/>
-              </a:rPr>
-              <a:t> 클릭하여 </a:t>
-            </a:r>
-            <a:r>
-              <a:rPr lang="en-US" b="0" i="0" dirty="0">
-                <a:solidFill>
-                  <a:srgbClr val="0D0D0D"/>
-                </a:solidFill>
-                <a:effectLst/>
-                <a:highlight>
-                  <a:srgbClr val="FFFFFF"/>
-                </a:highlight>
-                <a:latin typeface="Söhne"/>
-              </a:rPr>
-              <a:t>PR</a:t>
-            </a:r>
-            <a:r>
-              <a:rPr lang="ko-KR" altLang="en-US" b="0" i="0" dirty="0">
-                <a:solidFill>
-                  <a:srgbClr val="0D0D0D"/>
-                </a:solidFill>
-                <a:effectLst/>
-                <a:highlight>
-                  <a:srgbClr val="FFFFFF"/>
-                </a:highlight>
-                <a:latin typeface="Söhne"/>
-              </a:rPr>
-              <a:t>을 시작합니다</a:t>
-            </a:r>
-            <a:r>
-              <a:rPr lang="en-US" altLang="ko-KR" b="0" i="0" dirty="0">
-                <a:solidFill>
-                  <a:srgbClr val="0D0D0D"/>
-                </a:solidFill>
-                <a:effectLst/>
-                <a:highlight>
-                  <a:srgbClr val="FFFFFF"/>
-                </a:highlight>
-                <a:latin typeface="Söhne"/>
-              </a:rPr>
-              <a:t>.</a:t>
-            </a:r>
-          </a:p>
-          <a:p>
-            <a:pPr lvl="1">
-              <a:lnSpc>
-                <a:spcPct val="120000"/>
-              </a:lnSpc>
-            </a:pPr>
-            <a:r>
-              <a:rPr lang="en-US" b="0" i="0" dirty="0">
-                <a:solidFill>
-                  <a:srgbClr val="0D0D0D"/>
-                </a:solidFill>
-                <a:effectLst/>
-                <a:highlight>
-                  <a:srgbClr val="FFFFFF"/>
-                </a:highlight>
-                <a:latin typeface="Söhne"/>
-              </a:rPr>
-              <a:t>PR</a:t>
-            </a:r>
-            <a:r>
-              <a:rPr lang="ko-KR" altLang="en-US" b="0" i="0" dirty="0">
-                <a:solidFill>
-                  <a:srgbClr val="0D0D0D"/>
-                </a:solidFill>
-                <a:effectLst/>
-                <a:highlight>
-                  <a:srgbClr val="FFFFFF"/>
-                </a:highlight>
-                <a:latin typeface="Söhne"/>
-              </a:rPr>
-              <a:t>에 대한 제목과 설명을 입력하고</a:t>
-            </a:r>
-            <a:r>
-              <a:rPr lang="en-US" altLang="ko-KR" b="0" i="0" dirty="0">
-                <a:solidFill>
-                  <a:srgbClr val="0D0D0D"/>
-                </a:solidFill>
-                <a:effectLst/>
-                <a:highlight>
-                  <a:srgbClr val="FFFFFF"/>
-                </a:highlight>
-                <a:latin typeface="Söhne"/>
-              </a:rPr>
-              <a:t>, '</a:t>
-            </a:r>
-            <a:r>
-              <a:rPr lang="en-US" b="0" i="0" dirty="0">
-                <a:solidFill>
-                  <a:srgbClr val="0D0D0D"/>
-                </a:solidFill>
-                <a:effectLst/>
-                <a:highlight>
-                  <a:srgbClr val="FFFFFF"/>
-                </a:highlight>
-                <a:latin typeface="Söhne"/>
-              </a:rPr>
-              <a:t>Create pull request' </a:t>
-            </a:r>
-            <a:r>
-              <a:rPr lang="ko-KR" altLang="en-US" b="0" i="0" dirty="0">
-                <a:solidFill>
-                  <a:srgbClr val="0D0D0D"/>
-                </a:solidFill>
-                <a:effectLst/>
-                <a:highlight>
-                  <a:srgbClr val="FFFFFF"/>
-                </a:highlight>
-                <a:latin typeface="Söhne"/>
-              </a:rPr>
-              <a:t>버튼을 다시 클릭합니다</a:t>
-            </a:r>
-            <a:r>
-              <a:rPr lang="en-US" altLang="ko-KR" b="0" i="0" dirty="0">
-                <a:solidFill>
-                  <a:srgbClr val="0D0D0D"/>
-                </a:solidFill>
-                <a:effectLst/>
-                <a:highlight>
-                  <a:srgbClr val="FFFFFF"/>
-                </a:highlight>
-                <a:latin typeface="Söhne"/>
-              </a:rPr>
-              <a:t>.</a:t>
-            </a:r>
-          </a:p>
-          <a:p>
-            <a:pPr lvl="1">
-              <a:lnSpc>
-                <a:spcPct val="120000"/>
-              </a:lnSpc>
-            </a:pPr>
-            <a:r>
-              <a:rPr lang="ko-KR" altLang="en-US" b="0" i="0" dirty="0">
-                <a:solidFill>
-                  <a:srgbClr val="0D0D0D"/>
-                </a:solidFill>
-                <a:effectLst/>
-                <a:highlight>
-                  <a:srgbClr val="FFFFFF"/>
-                </a:highlight>
-                <a:latin typeface="Söhne"/>
-              </a:rPr>
-              <a:t>이제 당신의 </a:t>
-            </a:r>
-            <a:r>
-              <a:rPr lang="en-US" b="0" i="0" dirty="0">
-                <a:solidFill>
-                  <a:srgbClr val="0D0D0D"/>
-                </a:solidFill>
-                <a:effectLst/>
-                <a:highlight>
-                  <a:srgbClr val="FFFFFF"/>
-                </a:highlight>
-                <a:latin typeface="Söhne"/>
-              </a:rPr>
-              <a:t>Pull Request</a:t>
-            </a:r>
-            <a:r>
-              <a:rPr lang="ko-KR" altLang="en-US" b="0" i="0" dirty="0">
-                <a:solidFill>
-                  <a:srgbClr val="0D0D0D"/>
-                </a:solidFill>
-                <a:effectLst/>
-                <a:highlight>
-                  <a:srgbClr val="FFFFFF"/>
-                </a:highlight>
-                <a:latin typeface="Söhne"/>
-              </a:rPr>
-              <a:t>가 원본 저장소의 관리자에게 전송되었습니다</a:t>
-            </a:r>
-            <a:r>
-              <a:rPr lang="en-US" altLang="ko-KR" b="0" i="0" dirty="0">
-                <a:solidFill>
-                  <a:srgbClr val="0D0D0D"/>
-                </a:solidFill>
-                <a:effectLst/>
-                <a:highlight>
-                  <a:srgbClr val="FFFFFF"/>
-                </a:highlight>
-                <a:latin typeface="Söhne"/>
-              </a:rPr>
-              <a:t>. </a:t>
-            </a:r>
-            <a:r>
-              <a:rPr lang="ko-KR" altLang="en-US" b="0" i="0" dirty="0">
-                <a:solidFill>
-                  <a:srgbClr val="0D0D0D"/>
-                </a:solidFill>
-                <a:effectLst/>
-                <a:highlight>
-                  <a:srgbClr val="FFFFFF"/>
-                </a:highlight>
-                <a:latin typeface="Söhne"/>
-              </a:rPr>
-              <a:t>관리자는 이를 검토하고</a:t>
-            </a:r>
-            <a:r>
-              <a:rPr lang="en-US" altLang="ko-KR" b="0" i="0" dirty="0">
-                <a:solidFill>
-                  <a:srgbClr val="0D0D0D"/>
-                </a:solidFill>
-                <a:effectLst/>
-                <a:highlight>
-                  <a:srgbClr val="FFFFFF"/>
-                </a:highlight>
-                <a:latin typeface="Söhne"/>
-              </a:rPr>
-              <a:t>, </a:t>
-            </a:r>
-            <a:r>
-              <a:rPr lang="ko-KR" altLang="en-US" b="0" i="0" dirty="0">
-                <a:solidFill>
-                  <a:srgbClr val="0D0D0D"/>
-                </a:solidFill>
-                <a:effectLst/>
-                <a:highlight>
-                  <a:srgbClr val="FFFFFF"/>
-                </a:highlight>
-                <a:latin typeface="Söhne"/>
-              </a:rPr>
-              <a:t>필요한 경우 논의를 거친 후에 변경 사항을 원본 저장소에 병합</a:t>
-            </a:r>
-            <a:r>
-              <a:rPr lang="en-US" altLang="ko-KR" b="0" i="0" dirty="0">
-                <a:solidFill>
-                  <a:srgbClr val="0D0D0D"/>
-                </a:solidFill>
-                <a:effectLst/>
-                <a:highlight>
-                  <a:srgbClr val="FFFFFF"/>
-                </a:highlight>
-                <a:latin typeface="Söhne"/>
-              </a:rPr>
-              <a:t>(</a:t>
-            </a:r>
-            <a:r>
-              <a:rPr lang="en-US" b="0" i="0" dirty="0">
-                <a:solidFill>
-                  <a:srgbClr val="0D0D0D"/>
-                </a:solidFill>
-                <a:effectLst/>
-                <a:highlight>
-                  <a:srgbClr val="FFFFFF"/>
-                </a:highlight>
-                <a:latin typeface="Söhne"/>
-              </a:rPr>
-              <a:t>merge)</a:t>
-            </a:r>
-            <a:r>
-              <a:rPr lang="ko-KR" altLang="en-US" b="0" i="0" dirty="0">
-                <a:solidFill>
-                  <a:srgbClr val="0D0D0D"/>
-                </a:solidFill>
-                <a:effectLst/>
-                <a:highlight>
-                  <a:srgbClr val="FFFFFF"/>
-                </a:highlight>
-                <a:latin typeface="Söhne"/>
-              </a:rPr>
-              <a:t>할 수 있습니다</a:t>
-            </a:r>
-            <a:r>
-              <a:rPr lang="en-US" altLang="ko-KR" b="0" i="0" dirty="0">
-                <a:solidFill>
-                  <a:srgbClr val="0D0D0D"/>
-                </a:solidFill>
-                <a:effectLst/>
-                <a:highlight>
-                  <a:srgbClr val="FFFFFF"/>
-                </a:highlight>
-                <a:latin typeface="Söhne"/>
-              </a:rPr>
-              <a:t>.</a:t>
-            </a:r>
-          </a:p>
-          <a:p>
-            <a:endParaRPr lang="en-KR" dirty="0"/>
-          </a:p>
-        </p:txBody>
-      </p:sp>
-    </p:spTree>
-    <p:extLst>
-      <p:ext uri="{BB962C8B-B14F-4D97-AF65-F5344CB8AC3E}">
-        <p14:creationId xmlns:p14="http://schemas.microsoft.com/office/powerpoint/2010/main" val="3226029941"/>
       </p:ext>
     </p:extLst>
   </p:cSld>
@@ -13190,6 +12571,1857 @@
           <p:cNvPr id="2" name="Title 1">
             <a:extLst>
               <a:ext uri="{FF2B5EF4-FFF2-40B4-BE49-F238E27FC236}">
+                <a16:creationId xmlns:a16="http://schemas.microsoft.com/office/drawing/2014/main" id="{62229B3C-063C-7D46-A1C8-F549088AAEE7}"/>
+              </a:ext>
+            </a:extLst>
+          </p:cNvPr>
+          <p:cNvSpPr>
+            <a:spLocks noGrp="1"/>
+          </p:cNvSpPr>
+          <p:nvPr>
+            <p:ph type="title"/>
+          </p:nvPr>
+        </p:nvSpPr>
+        <p:spPr/>
+        <p:txBody>
+          <a:bodyPr/>
+          <a:lstStyle/>
+          <a:p>
+            <a:r>
+              <a:rPr lang="en-US" dirty="0"/>
+              <a:t>Pull Request</a:t>
+            </a:r>
+            <a:r>
+              <a:rPr lang="ko-KR" altLang="en-US" dirty="0"/>
+              <a:t> 하기</a:t>
+            </a:r>
+            <a:endParaRPr lang="en-KR" dirty="0"/>
+          </a:p>
+        </p:txBody>
+      </p:sp>
+      <p:sp>
+        <p:nvSpPr>
+          <p:cNvPr id="3" name="Content Placeholder 2">
+            <a:extLst>
+              <a:ext uri="{FF2B5EF4-FFF2-40B4-BE49-F238E27FC236}">
+                <a16:creationId xmlns:a16="http://schemas.microsoft.com/office/drawing/2014/main" id="{F8A5D26A-5A62-F7DD-75A9-903D6ADC082D}"/>
+              </a:ext>
+            </a:extLst>
+          </p:cNvPr>
+          <p:cNvSpPr>
+            <a:spLocks noGrp="1"/>
+          </p:cNvSpPr>
+          <p:nvPr>
+            <p:ph idx="1"/>
+          </p:nvPr>
+        </p:nvSpPr>
+        <p:spPr/>
+        <p:txBody>
+          <a:bodyPr>
+            <a:normAutofit fontScale="85000" lnSpcReduction="10000"/>
+          </a:bodyPr>
+          <a:lstStyle/>
+          <a:p>
+            <a:pPr marL="0" indent="0" algn="l">
+              <a:lnSpc>
+                <a:spcPct val="120000"/>
+              </a:lnSpc>
+              <a:buNone/>
+            </a:pPr>
+            <a:r>
+              <a:rPr lang="en-US" b="1" i="0" dirty="0">
+                <a:solidFill>
+                  <a:srgbClr val="0D0D0D"/>
+                </a:solidFill>
+                <a:effectLst/>
+                <a:highlight>
+                  <a:srgbClr val="FFFFFF"/>
+                </a:highlight>
+                <a:latin typeface="Söhne"/>
+              </a:rPr>
+              <a:t>3. </a:t>
+            </a:r>
+            <a:r>
+              <a:rPr lang="ko-KR" altLang="en-US" b="1" i="0" dirty="0" err="1">
+                <a:solidFill>
+                  <a:srgbClr val="0D0D0D"/>
+                </a:solidFill>
+                <a:effectLst/>
+                <a:highlight>
+                  <a:srgbClr val="FFFFFF"/>
+                </a:highlight>
+                <a:latin typeface="Söhne"/>
+              </a:rPr>
+              <a:t>브랜치</a:t>
+            </a:r>
+            <a:r>
+              <a:rPr lang="ko-KR" altLang="en-US" b="1" i="0" dirty="0">
+                <a:solidFill>
+                  <a:srgbClr val="0D0D0D"/>
+                </a:solidFill>
+                <a:effectLst/>
+                <a:highlight>
+                  <a:srgbClr val="FFFFFF"/>
+                </a:highlight>
+                <a:latin typeface="Söhne"/>
+              </a:rPr>
+              <a:t> 생성 및 변경사항 적용</a:t>
+            </a:r>
+          </a:p>
+          <a:p>
+            <a:pPr lvl="1">
+              <a:lnSpc>
+                <a:spcPct val="120000"/>
+              </a:lnSpc>
+            </a:pPr>
+            <a:r>
+              <a:rPr lang="ko-KR" altLang="en-US" b="1" i="0" dirty="0">
+                <a:solidFill>
+                  <a:srgbClr val="0D0D0D"/>
+                </a:solidFill>
+                <a:effectLst/>
+                <a:highlight>
+                  <a:srgbClr val="FFFFFF"/>
+                </a:highlight>
+                <a:latin typeface="Söhne"/>
+              </a:rPr>
+              <a:t>새 </a:t>
+            </a:r>
+            <a:r>
+              <a:rPr lang="ko-KR" altLang="en-US" b="1" i="0" dirty="0" err="1">
+                <a:solidFill>
+                  <a:srgbClr val="0D0D0D"/>
+                </a:solidFill>
+                <a:effectLst/>
+                <a:highlight>
+                  <a:srgbClr val="FFFFFF"/>
+                </a:highlight>
+                <a:latin typeface="Söhne"/>
+              </a:rPr>
+              <a:t>브랜치</a:t>
+            </a:r>
+            <a:r>
+              <a:rPr lang="ko-KR" altLang="en-US" b="1" i="0" dirty="0">
+                <a:solidFill>
+                  <a:srgbClr val="0D0D0D"/>
+                </a:solidFill>
+                <a:effectLst/>
+                <a:highlight>
+                  <a:srgbClr val="FFFFFF"/>
+                </a:highlight>
+                <a:latin typeface="Söhne"/>
+              </a:rPr>
+              <a:t> 생성</a:t>
+            </a:r>
+            <a:endParaRPr lang="en-US" b="0" i="0" dirty="0">
+              <a:solidFill>
+                <a:srgbClr val="0D0D0D"/>
+              </a:solidFill>
+              <a:effectLst/>
+              <a:highlight>
+                <a:srgbClr val="FFFFFF"/>
+              </a:highlight>
+              <a:latin typeface="Söhne"/>
+            </a:endParaRPr>
+          </a:p>
+          <a:p>
+            <a:pPr lvl="2">
+              <a:lnSpc>
+                <a:spcPct val="120000"/>
+              </a:lnSpc>
+            </a:pPr>
+            <a:r>
+              <a:rPr lang="en-US" b="0" i="0" dirty="0">
+                <a:solidFill>
+                  <a:srgbClr val="0D0D0D"/>
+                </a:solidFill>
+                <a:effectLst/>
+                <a:highlight>
+                  <a:srgbClr val="FFFFFF"/>
+                </a:highlight>
+                <a:latin typeface="Söhne"/>
+              </a:rPr>
+              <a:t>git checkout -b your-new-branch-name </a:t>
+            </a:r>
+          </a:p>
+          <a:p>
+            <a:pPr lvl="1">
+              <a:lnSpc>
+                <a:spcPct val="120000"/>
+              </a:lnSpc>
+            </a:pPr>
+            <a:r>
+              <a:rPr lang="ko-KR" altLang="en-US" b="0" i="0" dirty="0" err="1">
+                <a:solidFill>
+                  <a:srgbClr val="0D0D0D"/>
+                </a:solidFill>
+                <a:effectLst/>
+                <a:highlight>
+                  <a:srgbClr val="FFFFFF"/>
+                </a:highlight>
+                <a:latin typeface="Söhne"/>
+              </a:rPr>
+              <a:t>브랜치</a:t>
+            </a:r>
+            <a:r>
+              <a:rPr lang="ko-KR" altLang="en-US" b="0" i="0" dirty="0">
+                <a:solidFill>
+                  <a:srgbClr val="0D0D0D"/>
+                </a:solidFill>
+                <a:effectLst/>
+                <a:highlight>
+                  <a:srgbClr val="FFFFFF"/>
+                </a:highlight>
+                <a:latin typeface="Söhne"/>
+              </a:rPr>
+              <a:t> 이름은 작업 내용을 반영하는 것이 좋습니다</a:t>
+            </a:r>
+            <a:r>
+              <a:rPr lang="en-US" altLang="ko-KR" b="0" i="0" dirty="0">
+                <a:solidFill>
+                  <a:srgbClr val="0D0D0D"/>
+                </a:solidFill>
+                <a:effectLst/>
+                <a:highlight>
+                  <a:srgbClr val="FFFFFF"/>
+                </a:highlight>
+                <a:latin typeface="Söhne"/>
+              </a:rPr>
+              <a:t>.</a:t>
+            </a:r>
+          </a:p>
+          <a:p>
+            <a:pPr lvl="1">
+              <a:lnSpc>
+                <a:spcPct val="120000"/>
+              </a:lnSpc>
+            </a:pPr>
+            <a:r>
+              <a:rPr lang="ko-KR" altLang="en-US" b="1" i="0" dirty="0">
+                <a:solidFill>
+                  <a:srgbClr val="0D0D0D"/>
+                </a:solidFill>
+                <a:effectLst/>
+                <a:highlight>
+                  <a:srgbClr val="FFFFFF"/>
+                </a:highlight>
+                <a:latin typeface="Söhne"/>
+              </a:rPr>
+              <a:t>필요한 변경 수행</a:t>
+            </a:r>
+            <a:r>
+              <a:rPr lang="en-US" altLang="ko-KR" b="0" i="0" dirty="0">
+                <a:solidFill>
+                  <a:srgbClr val="0D0D0D"/>
+                </a:solidFill>
+                <a:effectLst/>
+                <a:highlight>
+                  <a:srgbClr val="FFFFFF"/>
+                </a:highlight>
+                <a:latin typeface="Söhne"/>
+              </a:rPr>
+              <a:t>: </a:t>
+            </a:r>
+            <a:r>
+              <a:rPr lang="ko-KR" altLang="en-US" b="0" i="0" dirty="0">
+                <a:solidFill>
+                  <a:srgbClr val="0D0D0D"/>
+                </a:solidFill>
+                <a:effectLst/>
+                <a:highlight>
+                  <a:srgbClr val="FFFFFF"/>
+                </a:highlight>
+                <a:latin typeface="Söhne"/>
+              </a:rPr>
+              <a:t>코드를 수정하거나 새 파일을 추가하는 등의 작업을 수행합니다</a:t>
+            </a:r>
+            <a:r>
+              <a:rPr lang="en-US" altLang="ko-KR" b="0" i="0" dirty="0">
+                <a:solidFill>
+                  <a:srgbClr val="0D0D0D"/>
+                </a:solidFill>
+                <a:effectLst/>
+                <a:highlight>
+                  <a:srgbClr val="FFFFFF"/>
+                </a:highlight>
+                <a:latin typeface="Söhne"/>
+              </a:rPr>
+              <a:t>.</a:t>
+            </a:r>
+          </a:p>
+          <a:p>
+            <a:pPr lvl="1">
+              <a:lnSpc>
+                <a:spcPct val="120000"/>
+              </a:lnSpc>
+            </a:pPr>
+            <a:r>
+              <a:rPr lang="ko-KR" altLang="en-US" b="1" i="0" dirty="0">
+                <a:solidFill>
+                  <a:srgbClr val="0D0D0D"/>
+                </a:solidFill>
+                <a:effectLst/>
+                <a:highlight>
+                  <a:srgbClr val="FFFFFF"/>
+                </a:highlight>
+                <a:latin typeface="Söhne"/>
+              </a:rPr>
+              <a:t>변경사항을 </a:t>
+            </a:r>
+            <a:r>
+              <a:rPr lang="ko-KR" altLang="en-US" b="1" i="0" dirty="0" err="1">
+                <a:solidFill>
+                  <a:srgbClr val="0D0D0D"/>
+                </a:solidFill>
+                <a:effectLst/>
+                <a:highlight>
+                  <a:srgbClr val="FFFFFF"/>
+                </a:highlight>
+                <a:latin typeface="Söhne"/>
+              </a:rPr>
+              <a:t>스테이징하고</a:t>
+            </a:r>
+            <a:r>
+              <a:rPr lang="ko-KR" altLang="en-US" b="1" i="0" dirty="0">
+                <a:solidFill>
+                  <a:srgbClr val="0D0D0D"/>
+                </a:solidFill>
+                <a:effectLst/>
+                <a:highlight>
+                  <a:srgbClr val="FFFFFF"/>
+                </a:highlight>
+                <a:latin typeface="Söhne"/>
+              </a:rPr>
+              <a:t> </a:t>
+            </a:r>
+            <a:r>
+              <a:rPr lang="ko-KR" altLang="en-US" b="1" i="0" dirty="0" err="1">
+                <a:solidFill>
+                  <a:srgbClr val="0D0D0D"/>
+                </a:solidFill>
+                <a:effectLst/>
+                <a:highlight>
+                  <a:srgbClr val="FFFFFF"/>
+                </a:highlight>
+                <a:latin typeface="Söhne"/>
+              </a:rPr>
+              <a:t>커밋</a:t>
+            </a:r>
+            <a:endParaRPr lang="en-US" b="0" i="0" dirty="0">
+              <a:solidFill>
+                <a:srgbClr val="0D0D0D"/>
+              </a:solidFill>
+              <a:effectLst/>
+              <a:highlight>
+                <a:srgbClr val="FFFFFF"/>
+              </a:highlight>
+              <a:latin typeface="Söhne"/>
+            </a:endParaRPr>
+          </a:p>
+          <a:p>
+            <a:pPr lvl="2">
+              <a:lnSpc>
+                <a:spcPct val="120000"/>
+              </a:lnSpc>
+            </a:pPr>
+            <a:r>
+              <a:rPr lang="en-US" b="0" i="0" dirty="0">
+                <a:solidFill>
+                  <a:srgbClr val="0D0D0D"/>
+                </a:solidFill>
+                <a:effectLst/>
+                <a:highlight>
+                  <a:srgbClr val="FFFFFF"/>
+                </a:highlight>
+                <a:latin typeface="Söhne"/>
+              </a:rPr>
+              <a:t>git add . git commit -m </a:t>
+            </a:r>
+            <a:r>
+              <a:rPr lang="en-US" b="0" i="0" dirty="0">
+                <a:solidFill>
+                  <a:srgbClr val="00A67D"/>
+                </a:solidFill>
+                <a:effectLst/>
+                <a:highlight>
+                  <a:srgbClr val="FFFFFF"/>
+                </a:highlight>
+                <a:latin typeface="Söhne"/>
+              </a:rPr>
+              <a:t>"</a:t>
+            </a:r>
+            <a:r>
+              <a:rPr lang="ko-KR" altLang="en-US" b="0" i="0" dirty="0">
+                <a:solidFill>
+                  <a:srgbClr val="00A67D"/>
+                </a:solidFill>
+                <a:effectLst/>
+                <a:highlight>
+                  <a:srgbClr val="FFFFFF"/>
+                </a:highlight>
+                <a:latin typeface="Söhne"/>
+              </a:rPr>
+              <a:t>설명적인 </a:t>
+            </a:r>
+            <a:r>
+              <a:rPr lang="ko-KR" altLang="en-US" b="0" i="0" dirty="0" err="1">
+                <a:solidFill>
+                  <a:srgbClr val="00A67D"/>
+                </a:solidFill>
+                <a:effectLst/>
+                <a:highlight>
+                  <a:srgbClr val="FFFFFF"/>
+                </a:highlight>
+                <a:latin typeface="Söhne"/>
+              </a:rPr>
+              <a:t>커밋</a:t>
+            </a:r>
+            <a:r>
+              <a:rPr lang="ko-KR" altLang="en-US" b="0" i="0" dirty="0">
+                <a:solidFill>
+                  <a:srgbClr val="00A67D"/>
+                </a:solidFill>
+                <a:effectLst/>
+                <a:highlight>
+                  <a:srgbClr val="FFFFFF"/>
+                </a:highlight>
+                <a:latin typeface="Söhne"/>
+              </a:rPr>
+              <a:t> 메시지</a:t>
+            </a:r>
+            <a:r>
+              <a:rPr lang="en-US" altLang="ko-KR" b="0" i="0" dirty="0">
+                <a:solidFill>
+                  <a:srgbClr val="00A67D"/>
+                </a:solidFill>
+                <a:effectLst/>
+                <a:highlight>
+                  <a:srgbClr val="FFFFFF"/>
+                </a:highlight>
+                <a:latin typeface="Söhne"/>
+              </a:rPr>
+              <a:t>"</a:t>
+            </a:r>
+            <a:r>
+              <a:rPr lang="ko-KR" altLang="en-US" b="0" i="0" dirty="0">
+                <a:solidFill>
+                  <a:srgbClr val="0D0D0D"/>
+                </a:solidFill>
+                <a:effectLst/>
+                <a:highlight>
+                  <a:srgbClr val="FFFFFF"/>
+                </a:highlight>
+                <a:latin typeface="Söhne"/>
+              </a:rPr>
+              <a:t> </a:t>
+            </a:r>
+          </a:p>
+          <a:p>
+            <a:pPr marL="0" indent="0" algn="l">
+              <a:lnSpc>
+                <a:spcPct val="120000"/>
+              </a:lnSpc>
+              <a:buNone/>
+            </a:pPr>
+            <a:r>
+              <a:rPr lang="en-US" altLang="ko-KR" b="1" i="0" dirty="0">
+                <a:solidFill>
+                  <a:srgbClr val="0D0D0D"/>
+                </a:solidFill>
+                <a:effectLst/>
+                <a:highlight>
+                  <a:srgbClr val="FFFFFF"/>
+                </a:highlight>
+                <a:latin typeface="Söhne"/>
+              </a:rPr>
+              <a:t>4. </a:t>
+            </a:r>
+            <a:r>
+              <a:rPr lang="ko-KR" altLang="en-US" b="1" i="0" dirty="0">
+                <a:solidFill>
+                  <a:srgbClr val="0D0D0D"/>
+                </a:solidFill>
+                <a:effectLst/>
+                <a:highlight>
+                  <a:srgbClr val="FFFFFF"/>
+                </a:highlight>
+                <a:latin typeface="Söhne"/>
+              </a:rPr>
+              <a:t>변경사항을 </a:t>
+            </a:r>
+            <a:r>
+              <a:rPr lang="en-US" b="1" i="0" dirty="0">
+                <a:solidFill>
+                  <a:srgbClr val="0D0D0D"/>
+                </a:solidFill>
+                <a:effectLst/>
+                <a:highlight>
+                  <a:srgbClr val="FFFFFF"/>
+                </a:highlight>
+                <a:latin typeface="Söhne"/>
+              </a:rPr>
+              <a:t>GitHub</a:t>
+            </a:r>
+            <a:r>
+              <a:rPr lang="ko-KR" altLang="en-US" b="1" i="0" dirty="0">
+                <a:solidFill>
+                  <a:srgbClr val="0D0D0D"/>
+                </a:solidFill>
+                <a:effectLst/>
+                <a:highlight>
+                  <a:srgbClr val="FFFFFF"/>
+                </a:highlight>
+                <a:latin typeface="Söhne"/>
+              </a:rPr>
+              <a:t>에 </a:t>
+            </a:r>
+            <a:r>
+              <a:rPr lang="en-US" b="1" i="0" dirty="0">
+                <a:solidFill>
+                  <a:srgbClr val="0D0D0D"/>
+                </a:solidFill>
+                <a:effectLst/>
+                <a:highlight>
+                  <a:srgbClr val="FFFFFF"/>
+                </a:highlight>
+                <a:latin typeface="Söhne"/>
+              </a:rPr>
+              <a:t>Push</a:t>
+            </a:r>
+            <a:r>
+              <a:rPr lang="ko-KR" altLang="en-US" b="1" i="0" dirty="0">
+                <a:solidFill>
+                  <a:srgbClr val="0D0D0D"/>
+                </a:solidFill>
+                <a:effectLst/>
+                <a:highlight>
+                  <a:srgbClr val="FFFFFF"/>
+                </a:highlight>
+                <a:latin typeface="Söhne"/>
+              </a:rPr>
+              <a:t>하기</a:t>
+            </a:r>
+          </a:p>
+          <a:p>
+            <a:pPr lvl="1">
+              <a:lnSpc>
+                <a:spcPct val="120000"/>
+              </a:lnSpc>
+            </a:pPr>
+            <a:r>
+              <a:rPr lang="en-US" dirty="0">
+                <a:effectLst/>
+              </a:rPr>
+              <a:t>git push origin your-new-branch-name </a:t>
+            </a:r>
+          </a:p>
+          <a:p>
+            <a:pPr lvl="1">
+              <a:lnSpc>
+                <a:spcPct val="120000"/>
+              </a:lnSpc>
+            </a:pPr>
+            <a:r>
+              <a:rPr lang="ko-KR" altLang="en-US" b="0" i="0" dirty="0">
+                <a:solidFill>
+                  <a:srgbClr val="0D0D0D"/>
+                </a:solidFill>
+                <a:effectLst/>
+                <a:highlight>
+                  <a:srgbClr val="FFFFFF"/>
+                </a:highlight>
+                <a:latin typeface="Söhne"/>
+              </a:rPr>
+              <a:t>이 명령은 당신이 생성한 </a:t>
+            </a:r>
+            <a:r>
+              <a:rPr lang="ko-KR" altLang="en-US" b="0" i="0" dirty="0" err="1">
+                <a:solidFill>
+                  <a:srgbClr val="0D0D0D"/>
+                </a:solidFill>
+                <a:effectLst/>
+                <a:highlight>
+                  <a:srgbClr val="FFFFFF"/>
+                </a:highlight>
+                <a:latin typeface="Söhne"/>
+              </a:rPr>
+              <a:t>브랜치의</a:t>
+            </a:r>
+            <a:r>
+              <a:rPr lang="ko-KR" altLang="en-US" b="0" i="0" dirty="0">
+                <a:solidFill>
+                  <a:srgbClr val="0D0D0D"/>
+                </a:solidFill>
+                <a:effectLst/>
+                <a:highlight>
+                  <a:srgbClr val="FFFFFF"/>
+                </a:highlight>
+                <a:latin typeface="Söhne"/>
+              </a:rPr>
+              <a:t> 변경사항을 당신의 </a:t>
+            </a:r>
+            <a:r>
+              <a:rPr lang="en-US" b="0" i="0" dirty="0">
+                <a:solidFill>
+                  <a:srgbClr val="0D0D0D"/>
+                </a:solidFill>
+                <a:effectLst/>
+                <a:highlight>
+                  <a:srgbClr val="FFFFFF"/>
+                </a:highlight>
+                <a:latin typeface="Söhne"/>
+              </a:rPr>
+              <a:t>GitHub fork</a:t>
+            </a:r>
+            <a:r>
+              <a:rPr lang="ko-KR" altLang="en-US" b="0" i="0" dirty="0">
+                <a:solidFill>
+                  <a:srgbClr val="0D0D0D"/>
+                </a:solidFill>
+                <a:effectLst/>
+                <a:highlight>
+                  <a:srgbClr val="FFFFFF"/>
+                </a:highlight>
+                <a:latin typeface="Söhne"/>
+              </a:rPr>
+              <a:t>로 </a:t>
+            </a:r>
+            <a:r>
+              <a:rPr lang="en-US" b="0" i="0" dirty="0">
+                <a:solidFill>
+                  <a:srgbClr val="0D0D0D"/>
+                </a:solidFill>
+                <a:effectLst/>
+                <a:highlight>
+                  <a:srgbClr val="FFFFFF"/>
+                </a:highlight>
+                <a:latin typeface="Söhne"/>
+              </a:rPr>
+              <a:t>push</a:t>
+            </a:r>
+            <a:r>
+              <a:rPr lang="ko-KR" altLang="en-US" b="0" i="0" dirty="0">
+                <a:solidFill>
+                  <a:srgbClr val="0D0D0D"/>
+                </a:solidFill>
+                <a:effectLst/>
+                <a:highlight>
+                  <a:srgbClr val="FFFFFF"/>
+                </a:highlight>
+                <a:latin typeface="Söhne"/>
+              </a:rPr>
+              <a:t>합니다</a:t>
+            </a:r>
+            <a:r>
+              <a:rPr lang="en-US" altLang="ko-KR" b="0" i="0" dirty="0">
+                <a:solidFill>
+                  <a:srgbClr val="0D0D0D"/>
+                </a:solidFill>
+                <a:effectLst/>
+                <a:highlight>
+                  <a:srgbClr val="FFFFFF"/>
+                </a:highlight>
+                <a:latin typeface="Söhne"/>
+              </a:rPr>
+              <a:t>.</a:t>
+            </a:r>
+          </a:p>
+          <a:p>
+            <a:endParaRPr lang="en-KR" dirty="0"/>
+          </a:p>
+        </p:txBody>
+      </p:sp>
+    </p:spTree>
+    <p:extLst>
+      <p:ext uri="{BB962C8B-B14F-4D97-AF65-F5344CB8AC3E}">
+        <p14:creationId xmlns:p14="http://schemas.microsoft.com/office/powerpoint/2010/main" val="1368440918"/>
+      </p:ext>
+    </p:extLst>
+  </p:cSld>
+  <p:clrMapOvr>
+    <a:masterClrMapping/>
+  </p:clrMapOvr>
+</p:sld>
+</file>
+
+<file path=ppt/slides/slide21.xml><?xml version="1.0" encoding="utf-8"?>
+<p:sld xmlns:a="http://schemas.openxmlformats.org/drawingml/2006/main" xmlns:r="http://schemas.openxmlformats.org/officeDocument/2006/relationships" xmlns:p="http://schemas.openxmlformats.org/presentationml/2006/main">
+  <p:cSld>
+    <p:spTree>
+      <p:nvGrpSpPr>
+        <p:cNvPr id="1" name=""/>
+        <p:cNvGrpSpPr/>
+        <p:nvPr/>
+      </p:nvGrpSpPr>
+      <p:grpSpPr>
+        <a:xfrm>
+          <a:off x="0" y="0"/>
+          <a:ext cx="0" cy="0"/>
+          <a:chOff x="0" y="0"/>
+          <a:chExt cx="0" cy="0"/>
+        </a:xfrm>
+      </p:grpSpPr>
+      <p:sp>
+        <p:nvSpPr>
+          <p:cNvPr id="2" name="Title 1">
+            <a:extLst>
+              <a:ext uri="{FF2B5EF4-FFF2-40B4-BE49-F238E27FC236}">
+                <a16:creationId xmlns:a16="http://schemas.microsoft.com/office/drawing/2014/main" id="{D06E8545-80B5-5A02-5C5C-54A36AD80721}"/>
+              </a:ext>
+            </a:extLst>
+          </p:cNvPr>
+          <p:cNvSpPr>
+            <a:spLocks noGrp="1"/>
+          </p:cNvSpPr>
+          <p:nvPr>
+            <p:ph type="title"/>
+          </p:nvPr>
+        </p:nvSpPr>
+        <p:spPr/>
+        <p:txBody>
+          <a:bodyPr/>
+          <a:lstStyle/>
+          <a:p>
+            <a:r>
+              <a:rPr lang="en-US" dirty="0"/>
+              <a:t>Pull Request</a:t>
+            </a:r>
+            <a:r>
+              <a:rPr lang="ko-KR" altLang="en-US" dirty="0"/>
+              <a:t> 하기</a:t>
+            </a:r>
+            <a:endParaRPr lang="en-KR" dirty="0"/>
+          </a:p>
+        </p:txBody>
+      </p:sp>
+      <p:sp>
+        <p:nvSpPr>
+          <p:cNvPr id="3" name="Content Placeholder 2">
+            <a:extLst>
+              <a:ext uri="{FF2B5EF4-FFF2-40B4-BE49-F238E27FC236}">
+                <a16:creationId xmlns:a16="http://schemas.microsoft.com/office/drawing/2014/main" id="{016A395D-A08B-039B-C08F-95D40D119434}"/>
+              </a:ext>
+            </a:extLst>
+          </p:cNvPr>
+          <p:cNvSpPr>
+            <a:spLocks noGrp="1"/>
+          </p:cNvSpPr>
+          <p:nvPr>
+            <p:ph idx="1"/>
+          </p:nvPr>
+        </p:nvSpPr>
+        <p:spPr/>
+        <p:txBody>
+          <a:bodyPr>
+            <a:normAutofit fontScale="70000" lnSpcReduction="20000"/>
+          </a:bodyPr>
+          <a:lstStyle/>
+          <a:p>
+            <a:pPr marL="0" indent="0" algn="l">
+              <a:lnSpc>
+                <a:spcPct val="120000"/>
+              </a:lnSpc>
+              <a:buNone/>
+            </a:pPr>
+            <a:r>
+              <a:rPr lang="en-US" altLang="ko-KR" b="1" i="0" dirty="0">
+                <a:solidFill>
+                  <a:srgbClr val="0D0D0D"/>
+                </a:solidFill>
+                <a:effectLst/>
+                <a:highlight>
+                  <a:srgbClr val="FFFFFF"/>
+                </a:highlight>
+                <a:latin typeface="Söhne"/>
+              </a:rPr>
+              <a:t>5. </a:t>
+            </a:r>
+            <a:r>
+              <a:rPr lang="en-US" b="1" i="0" dirty="0">
+                <a:solidFill>
+                  <a:srgbClr val="0D0D0D"/>
+                </a:solidFill>
+                <a:effectLst/>
+                <a:highlight>
+                  <a:srgbClr val="FFFFFF"/>
+                </a:highlight>
+                <a:latin typeface="Söhne"/>
+              </a:rPr>
+              <a:t>Pull Request </a:t>
+            </a:r>
+            <a:r>
+              <a:rPr lang="ko-KR" altLang="en-US" b="1" i="0" dirty="0">
+                <a:solidFill>
+                  <a:srgbClr val="0D0D0D"/>
+                </a:solidFill>
+                <a:effectLst/>
+                <a:highlight>
+                  <a:srgbClr val="FFFFFF"/>
+                </a:highlight>
+                <a:latin typeface="Söhne"/>
+              </a:rPr>
+              <a:t>생성하기</a:t>
+            </a:r>
+          </a:p>
+          <a:p>
+            <a:pPr lvl="1">
+              <a:lnSpc>
+                <a:spcPct val="120000"/>
+              </a:lnSpc>
+            </a:pPr>
+            <a:r>
+              <a:rPr lang="en-US" b="1" i="0" dirty="0">
+                <a:solidFill>
+                  <a:srgbClr val="0D0D0D"/>
+                </a:solidFill>
+                <a:effectLst/>
+                <a:highlight>
+                  <a:srgbClr val="FFFFFF"/>
+                </a:highlight>
+                <a:latin typeface="Söhne"/>
+              </a:rPr>
+              <a:t>GitHub</a:t>
+            </a:r>
+            <a:r>
+              <a:rPr lang="ko-KR" altLang="en-US" b="1" i="0" dirty="0">
+                <a:solidFill>
+                  <a:srgbClr val="0D0D0D"/>
+                </a:solidFill>
+                <a:effectLst/>
+                <a:highlight>
+                  <a:srgbClr val="FFFFFF"/>
+                </a:highlight>
+                <a:latin typeface="Söhne"/>
+              </a:rPr>
+              <a:t>로 이동</a:t>
+            </a:r>
+            <a:r>
+              <a:rPr lang="en-US" altLang="ko-KR" b="0" i="0" dirty="0">
+                <a:solidFill>
+                  <a:srgbClr val="0D0D0D"/>
+                </a:solidFill>
+                <a:effectLst/>
+                <a:highlight>
+                  <a:srgbClr val="FFFFFF"/>
+                </a:highlight>
+                <a:latin typeface="Söhne"/>
+              </a:rPr>
+              <a:t>: </a:t>
+            </a:r>
+            <a:r>
+              <a:rPr lang="ko-KR" altLang="en-US" b="0" i="0" dirty="0">
+                <a:solidFill>
+                  <a:srgbClr val="0D0D0D"/>
+                </a:solidFill>
+                <a:effectLst/>
+                <a:highlight>
+                  <a:srgbClr val="FFFFFF"/>
+                </a:highlight>
+                <a:latin typeface="Söhne"/>
+              </a:rPr>
+              <a:t>원본 저장소의 </a:t>
+            </a:r>
+            <a:r>
+              <a:rPr lang="en-US" b="0" i="0" dirty="0">
+                <a:solidFill>
+                  <a:srgbClr val="0D0D0D"/>
+                </a:solidFill>
+                <a:effectLst/>
+                <a:highlight>
+                  <a:srgbClr val="FFFFFF"/>
+                </a:highlight>
+                <a:latin typeface="Söhne"/>
+              </a:rPr>
+              <a:t>GitHub </a:t>
+            </a:r>
+            <a:r>
+              <a:rPr lang="ko-KR" altLang="en-US" b="0" i="0" dirty="0">
+                <a:solidFill>
+                  <a:srgbClr val="0D0D0D"/>
+                </a:solidFill>
+                <a:effectLst/>
+                <a:highlight>
+                  <a:srgbClr val="FFFFFF"/>
+                </a:highlight>
+                <a:latin typeface="Söhne"/>
+              </a:rPr>
+              <a:t>페이지로 이동합니다</a:t>
+            </a:r>
+            <a:r>
+              <a:rPr lang="en-US" altLang="ko-KR" b="0" i="0" dirty="0">
+                <a:solidFill>
+                  <a:srgbClr val="0D0D0D"/>
+                </a:solidFill>
+                <a:effectLst/>
+                <a:highlight>
+                  <a:srgbClr val="FFFFFF"/>
+                </a:highlight>
+                <a:latin typeface="Söhne"/>
+              </a:rPr>
+              <a:t>.</a:t>
+            </a:r>
+          </a:p>
+          <a:p>
+            <a:pPr lvl="1">
+              <a:lnSpc>
+                <a:spcPct val="120000"/>
+              </a:lnSpc>
+            </a:pPr>
+            <a:r>
+              <a:rPr lang="en-US" altLang="ko-KR" b="1" i="0" dirty="0">
+                <a:solidFill>
+                  <a:srgbClr val="0D0D0D"/>
+                </a:solidFill>
+                <a:effectLst/>
+                <a:highlight>
+                  <a:srgbClr val="FFFFFF"/>
+                </a:highlight>
+                <a:latin typeface="Söhne"/>
+              </a:rPr>
+              <a:t>'</a:t>
+            </a:r>
+            <a:r>
+              <a:rPr lang="en-US" b="1" i="0" dirty="0">
+                <a:solidFill>
+                  <a:srgbClr val="0D0D0D"/>
+                </a:solidFill>
+                <a:effectLst/>
+                <a:highlight>
+                  <a:srgbClr val="FFFFFF"/>
+                </a:highlight>
+                <a:latin typeface="Söhne"/>
+              </a:rPr>
+              <a:t>New pull request' </a:t>
+            </a:r>
+            <a:r>
+              <a:rPr lang="ko-KR" altLang="en-US" b="1" i="0" dirty="0">
+                <a:solidFill>
+                  <a:srgbClr val="0D0D0D"/>
+                </a:solidFill>
+                <a:effectLst/>
+                <a:highlight>
+                  <a:srgbClr val="FFFFFF"/>
+                </a:highlight>
+                <a:latin typeface="Söhne"/>
+              </a:rPr>
+              <a:t>버튼 클릭</a:t>
+            </a:r>
+            <a:r>
+              <a:rPr lang="en-US" altLang="ko-KR" b="0" i="0" dirty="0">
+                <a:solidFill>
+                  <a:srgbClr val="0D0D0D"/>
+                </a:solidFill>
+                <a:effectLst/>
+                <a:highlight>
+                  <a:srgbClr val="FFFFFF"/>
+                </a:highlight>
+                <a:latin typeface="Söhne"/>
+              </a:rPr>
+              <a:t>: </a:t>
+            </a:r>
+            <a:r>
+              <a:rPr lang="ko-KR" altLang="en-US" b="0" i="0" dirty="0">
+                <a:solidFill>
+                  <a:srgbClr val="0D0D0D"/>
+                </a:solidFill>
+                <a:effectLst/>
+                <a:highlight>
+                  <a:srgbClr val="FFFFFF"/>
+                </a:highlight>
+                <a:latin typeface="Söhne"/>
+              </a:rPr>
+              <a:t>원본 저장소의 </a:t>
+            </a:r>
+            <a:r>
+              <a:rPr lang="en-US" altLang="ko-KR" b="0" i="0" dirty="0">
+                <a:solidFill>
+                  <a:srgbClr val="0D0D0D"/>
+                </a:solidFill>
+                <a:effectLst/>
+                <a:highlight>
+                  <a:srgbClr val="FFFFFF"/>
+                </a:highlight>
+                <a:latin typeface="Söhne"/>
+              </a:rPr>
+              <a:t>'</a:t>
+            </a:r>
+            <a:r>
+              <a:rPr lang="en-US" b="0" i="0" dirty="0">
+                <a:solidFill>
+                  <a:srgbClr val="0D0D0D"/>
+                </a:solidFill>
+                <a:effectLst/>
+                <a:highlight>
+                  <a:srgbClr val="FFFFFF"/>
+                </a:highlight>
+                <a:latin typeface="Söhne"/>
+              </a:rPr>
+              <a:t>Pull requests' </a:t>
+            </a:r>
+            <a:r>
+              <a:rPr lang="ko-KR" altLang="en-US" b="0" i="0" dirty="0">
+                <a:solidFill>
+                  <a:srgbClr val="0D0D0D"/>
+                </a:solidFill>
+                <a:effectLst/>
+                <a:highlight>
+                  <a:srgbClr val="FFFFFF"/>
+                </a:highlight>
+                <a:latin typeface="Söhne"/>
+              </a:rPr>
+              <a:t>탭을 클릭하고 </a:t>
+            </a:r>
+            <a:r>
+              <a:rPr lang="en-US" altLang="ko-KR" b="0" i="0" dirty="0">
+                <a:solidFill>
+                  <a:srgbClr val="0D0D0D"/>
+                </a:solidFill>
+                <a:effectLst/>
+                <a:highlight>
+                  <a:srgbClr val="FFFFFF"/>
+                </a:highlight>
+                <a:latin typeface="Söhne"/>
+              </a:rPr>
+              <a:t>'</a:t>
+            </a:r>
+            <a:r>
+              <a:rPr lang="en-US" b="0" i="0" dirty="0">
+                <a:solidFill>
+                  <a:srgbClr val="0D0D0D"/>
+                </a:solidFill>
+                <a:effectLst/>
+                <a:highlight>
+                  <a:srgbClr val="FFFFFF"/>
+                </a:highlight>
+                <a:latin typeface="Söhne"/>
+              </a:rPr>
+              <a:t>New pull request' </a:t>
+            </a:r>
+            <a:r>
+              <a:rPr lang="ko-KR" altLang="en-US" b="0" i="0" dirty="0">
+                <a:solidFill>
+                  <a:srgbClr val="0D0D0D"/>
+                </a:solidFill>
+                <a:effectLst/>
+                <a:highlight>
+                  <a:srgbClr val="FFFFFF"/>
+                </a:highlight>
+                <a:latin typeface="Söhne"/>
+              </a:rPr>
+              <a:t>버튼을 클릭합니다</a:t>
+            </a:r>
+            <a:r>
+              <a:rPr lang="en-US" altLang="ko-KR" b="0" i="0" dirty="0">
+                <a:solidFill>
+                  <a:srgbClr val="0D0D0D"/>
+                </a:solidFill>
+                <a:effectLst/>
+                <a:highlight>
+                  <a:srgbClr val="FFFFFF"/>
+                </a:highlight>
+                <a:latin typeface="Söhne"/>
+              </a:rPr>
+              <a:t>.</a:t>
+            </a:r>
+          </a:p>
+          <a:p>
+            <a:pPr lvl="1">
+              <a:lnSpc>
+                <a:spcPct val="120000"/>
+              </a:lnSpc>
+            </a:pPr>
+            <a:r>
+              <a:rPr lang="en-US" b="1" i="0" dirty="0">
+                <a:solidFill>
+                  <a:srgbClr val="0D0D0D"/>
+                </a:solidFill>
+                <a:effectLst/>
+                <a:highlight>
+                  <a:srgbClr val="FFFFFF"/>
+                </a:highlight>
+                <a:latin typeface="Söhne"/>
+              </a:rPr>
+              <a:t>Compare branch </a:t>
+            </a:r>
+            <a:r>
+              <a:rPr lang="ko-KR" altLang="en-US" b="1" i="0" dirty="0">
+                <a:solidFill>
+                  <a:srgbClr val="0D0D0D"/>
+                </a:solidFill>
+                <a:effectLst/>
+                <a:highlight>
+                  <a:srgbClr val="FFFFFF"/>
+                </a:highlight>
+                <a:latin typeface="Söhne"/>
+              </a:rPr>
+              <a:t>선택</a:t>
+            </a:r>
+            <a:r>
+              <a:rPr lang="en-US" altLang="ko-KR" b="0" i="0" dirty="0">
+                <a:solidFill>
+                  <a:srgbClr val="0D0D0D"/>
+                </a:solidFill>
+                <a:effectLst/>
+                <a:highlight>
+                  <a:srgbClr val="FFFFFF"/>
+                </a:highlight>
+                <a:latin typeface="Söhne"/>
+              </a:rPr>
+              <a:t>:</a:t>
+            </a:r>
+          </a:p>
+          <a:p>
+            <a:pPr lvl="2">
+              <a:lnSpc>
+                <a:spcPct val="120000"/>
+              </a:lnSpc>
+            </a:pPr>
+            <a:r>
+              <a:rPr lang="en-US" altLang="ko-KR" b="0" i="0" dirty="0">
+                <a:solidFill>
+                  <a:srgbClr val="0D0D0D"/>
+                </a:solidFill>
+                <a:effectLst/>
+                <a:highlight>
+                  <a:srgbClr val="FFFFFF"/>
+                </a:highlight>
+                <a:latin typeface="Söhne"/>
+              </a:rPr>
+              <a:t>'</a:t>
+            </a:r>
+            <a:r>
+              <a:rPr lang="en-US" b="0" i="0" dirty="0">
+                <a:solidFill>
+                  <a:srgbClr val="0D0D0D"/>
+                </a:solidFill>
+                <a:effectLst/>
+                <a:highlight>
+                  <a:srgbClr val="FFFFFF"/>
+                </a:highlight>
+                <a:latin typeface="Söhne"/>
+              </a:rPr>
+              <a:t>compare across forks' </a:t>
+            </a:r>
+            <a:r>
+              <a:rPr lang="ko-KR" altLang="en-US" b="0" i="0" dirty="0">
+                <a:solidFill>
+                  <a:srgbClr val="0D0D0D"/>
+                </a:solidFill>
+                <a:effectLst/>
+                <a:highlight>
+                  <a:srgbClr val="FFFFFF"/>
+                </a:highlight>
+                <a:latin typeface="Söhne"/>
+              </a:rPr>
+              <a:t>링크를 클릭합니다</a:t>
+            </a:r>
+            <a:r>
+              <a:rPr lang="en-US" altLang="ko-KR" b="0" i="0" dirty="0">
+                <a:solidFill>
+                  <a:srgbClr val="0D0D0D"/>
+                </a:solidFill>
+                <a:effectLst/>
+                <a:highlight>
+                  <a:srgbClr val="FFFFFF"/>
+                </a:highlight>
+                <a:latin typeface="Söhne"/>
+              </a:rPr>
+              <a:t>.</a:t>
+            </a:r>
+          </a:p>
+          <a:p>
+            <a:pPr lvl="2">
+              <a:lnSpc>
+                <a:spcPct val="120000"/>
+              </a:lnSpc>
+            </a:pPr>
+            <a:r>
+              <a:rPr lang="en-US" b="0" i="0" dirty="0">
+                <a:solidFill>
+                  <a:srgbClr val="0D0D0D"/>
+                </a:solidFill>
+                <a:effectLst/>
+                <a:highlight>
+                  <a:srgbClr val="FFFFFF"/>
+                </a:highlight>
+                <a:latin typeface="Söhne"/>
+              </a:rPr>
+              <a:t>base fork</a:t>
+            </a:r>
+            <a:r>
+              <a:rPr lang="ko-KR" altLang="en-US" b="0" i="0" dirty="0">
+                <a:solidFill>
+                  <a:srgbClr val="0D0D0D"/>
+                </a:solidFill>
+                <a:effectLst/>
+                <a:highlight>
+                  <a:srgbClr val="FFFFFF"/>
+                </a:highlight>
+                <a:latin typeface="Söhne"/>
+              </a:rPr>
+              <a:t>는 원본 저장소가 되어야 하며</a:t>
+            </a:r>
+            <a:r>
+              <a:rPr lang="en-US" altLang="ko-KR" b="0" i="0" dirty="0">
+                <a:solidFill>
+                  <a:srgbClr val="0D0D0D"/>
+                </a:solidFill>
+                <a:effectLst/>
+                <a:highlight>
+                  <a:srgbClr val="FFFFFF"/>
+                </a:highlight>
+                <a:latin typeface="Söhne"/>
+              </a:rPr>
+              <a:t>, </a:t>
+            </a:r>
+            <a:r>
+              <a:rPr lang="en-US" b="0" i="0" dirty="0">
+                <a:solidFill>
+                  <a:srgbClr val="0D0D0D"/>
+                </a:solidFill>
+                <a:effectLst/>
+                <a:highlight>
+                  <a:srgbClr val="FFFFFF"/>
+                </a:highlight>
+                <a:latin typeface="Söhne"/>
+              </a:rPr>
+              <a:t>head fork</a:t>
+            </a:r>
+            <a:r>
+              <a:rPr lang="ko-KR" altLang="en-US" b="0" i="0" dirty="0">
+                <a:solidFill>
+                  <a:srgbClr val="0D0D0D"/>
+                </a:solidFill>
+                <a:effectLst/>
+                <a:highlight>
+                  <a:srgbClr val="FFFFFF"/>
+                </a:highlight>
+                <a:latin typeface="Söhne"/>
+              </a:rPr>
+              <a:t>는 당신의 </a:t>
+            </a:r>
+            <a:r>
+              <a:rPr lang="en-US" b="0" i="0" dirty="0">
+                <a:solidFill>
+                  <a:srgbClr val="0D0D0D"/>
+                </a:solidFill>
+                <a:effectLst/>
+                <a:highlight>
+                  <a:srgbClr val="FFFFFF"/>
+                </a:highlight>
+                <a:latin typeface="Söhne"/>
+              </a:rPr>
+              <a:t>fork</a:t>
+            </a:r>
+            <a:r>
+              <a:rPr lang="ko-KR" altLang="en-US" b="0" i="0" dirty="0">
+                <a:solidFill>
+                  <a:srgbClr val="0D0D0D"/>
+                </a:solidFill>
+                <a:effectLst/>
+                <a:highlight>
+                  <a:srgbClr val="FFFFFF"/>
+                </a:highlight>
+                <a:latin typeface="Söhne"/>
+              </a:rPr>
+              <a:t>가 됩니다</a:t>
+            </a:r>
+            <a:r>
+              <a:rPr lang="en-US" altLang="ko-KR" b="0" i="0" dirty="0">
+                <a:solidFill>
+                  <a:srgbClr val="0D0D0D"/>
+                </a:solidFill>
+                <a:effectLst/>
+                <a:highlight>
+                  <a:srgbClr val="FFFFFF"/>
+                </a:highlight>
+                <a:latin typeface="Söhne"/>
+              </a:rPr>
+              <a:t>.</a:t>
+            </a:r>
+          </a:p>
+          <a:p>
+            <a:pPr lvl="2">
+              <a:lnSpc>
+                <a:spcPct val="120000"/>
+              </a:lnSpc>
+            </a:pPr>
+            <a:r>
+              <a:rPr lang="en-US" b="0" i="0" dirty="0">
+                <a:solidFill>
+                  <a:srgbClr val="0D0D0D"/>
+                </a:solidFill>
+                <a:effectLst/>
+                <a:highlight>
+                  <a:srgbClr val="FFFFFF"/>
+                </a:highlight>
+                <a:latin typeface="Söhne"/>
+              </a:rPr>
+              <a:t>base branch</a:t>
+            </a:r>
+            <a:r>
+              <a:rPr lang="ko-KR" altLang="en-US" b="0" i="0" dirty="0">
+                <a:solidFill>
+                  <a:srgbClr val="0D0D0D"/>
+                </a:solidFill>
+                <a:effectLst/>
+                <a:highlight>
+                  <a:srgbClr val="FFFFFF"/>
+                </a:highlight>
+                <a:latin typeface="Söhne"/>
+              </a:rPr>
+              <a:t>는 변경을 받을 원본 저장소의 </a:t>
+            </a:r>
+            <a:r>
+              <a:rPr lang="ko-KR" altLang="en-US" b="0" i="0" dirty="0" err="1">
+                <a:solidFill>
+                  <a:srgbClr val="0D0D0D"/>
+                </a:solidFill>
+                <a:effectLst/>
+                <a:highlight>
+                  <a:srgbClr val="FFFFFF"/>
+                </a:highlight>
+                <a:latin typeface="Söhne"/>
+              </a:rPr>
+              <a:t>브랜치</a:t>
+            </a:r>
+            <a:r>
+              <a:rPr lang="en-US" altLang="ko-KR" b="0" i="0" dirty="0">
+                <a:solidFill>
+                  <a:srgbClr val="0D0D0D"/>
+                </a:solidFill>
+                <a:effectLst/>
+                <a:highlight>
+                  <a:srgbClr val="FFFFFF"/>
+                </a:highlight>
+                <a:latin typeface="Söhne"/>
+              </a:rPr>
+              <a:t>(</a:t>
+            </a:r>
+            <a:r>
+              <a:rPr lang="ko-KR" altLang="en-US" b="0" i="0" dirty="0">
+                <a:solidFill>
+                  <a:srgbClr val="0D0D0D"/>
+                </a:solidFill>
+                <a:effectLst/>
+                <a:highlight>
+                  <a:srgbClr val="FFFFFF"/>
+                </a:highlight>
+                <a:latin typeface="Söhne"/>
+              </a:rPr>
+              <a:t>보통 </a:t>
+            </a:r>
+            <a:r>
+              <a:rPr lang="en-US" b="0" i="0" dirty="0">
+                <a:solidFill>
+                  <a:srgbClr val="0D0D0D"/>
+                </a:solidFill>
+                <a:effectLst/>
+                <a:highlight>
+                  <a:srgbClr val="FFFFFF"/>
+                </a:highlight>
+                <a:latin typeface="Söhne"/>
+              </a:rPr>
+              <a:t>main </a:t>
+            </a:r>
+            <a:r>
+              <a:rPr lang="ko-KR" altLang="en-US" b="0" i="0" dirty="0">
+                <a:solidFill>
+                  <a:srgbClr val="0D0D0D"/>
+                </a:solidFill>
+                <a:effectLst/>
+                <a:highlight>
+                  <a:srgbClr val="FFFFFF"/>
+                </a:highlight>
+                <a:latin typeface="Söhne"/>
+              </a:rPr>
+              <a:t>또는 </a:t>
+            </a:r>
+            <a:r>
+              <a:rPr lang="en-US" b="0" i="0" dirty="0">
+                <a:solidFill>
+                  <a:srgbClr val="0D0D0D"/>
+                </a:solidFill>
+                <a:effectLst/>
+                <a:highlight>
+                  <a:srgbClr val="FFFFFF"/>
+                </a:highlight>
+                <a:latin typeface="Söhne"/>
+              </a:rPr>
+              <a:t>master), compare branch</a:t>
+            </a:r>
+            <a:r>
+              <a:rPr lang="ko-KR" altLang="en-US" b="0" i="0" dirty="0">
+                <a:solidFill>
+                  <a:srgbClr val="0D0D0D"/>
+                </a:solidFill>
+                <a:effectLst/>
+                <a:highlight>
+                  <a:srgbClr val="FFFFFF"/>
+                </a:highlight>
+                <a:latin typeface="Söhne"/>
+              </a:rPr>
+              <a:t>는 당신이 변경을 가한 </a:t>
+            </a:r>
+            <a:r>
+              <a:rPr lang="ko-KR" altLang="en-US" b="0" i="0" dirty="0" err="1">
+                <a:solidFill>
+                  <a:srgbClr val="0D0D0D"/>
+                </a:solidFill>
+                <a:effectLst/>
+                <a:highlight>
+                  <a:srgbClr val="FFFFFF"/>
+                </a:highlight>
+                <a:latin typeface="Söhne"/>
+              </a:rPr>
+              <a:t>브랜치입니다</a:t>
+            </a:r>
+            <a:r>
+              <a:rPr lang="en-US" altLang="ko-KR" b="0" i="0" dirty="0">
+                <a:solidFill>
+                  <a:srgbClr val="0D0D0D"/>
+                </a:solidFill>
+                <a:effectLst/>
+                <a:highlight>
+                  <a:srgbClr val="FFFFFF"/>
+                </a:highlight>
+                <a:latin typeface="Söhne"/>
+              </a:rPr>
+              <a:t>.</a:t>
+            </a:r>
+          </a:p>
+          <a:p>
+            <a:pPr lvl="1">
+              <a:lnSpc>
+                <a:spcPct val="120000"/>
+              </a:lnSpc>
+            </a:pPr>
+            <a:r>
+              <a:rPr lang="en-US" b="1" i="0" dirty="0">
+                <a:solidFill>
+                  <a:srgbClr val="0D0D0D"/>
+                </a:solidFill>
+                <a:effectLst/>
+                <a:highlight>
+                  <a:srgbClr val="FFFFFF"/>
+                </a:highlight>
+                <a:latin typeface="Söhne"/>
+              </a:rPr>
+              <a:t>Pull Request </a:t>
+            </a:r>
+            <a:r>
+              <a:rPr lang="ko-KR" altLang="en-US" b="1" i="0" dirty="0">
+                <a:solidFill>
+                  <a:srgbClr val="0D0D0D"/>
+                </a:solidFill>
+                <a:effectLst/>
+                <a:highlight>
+                  <a:srgbClr val="FFFFFF"/>
+                </a:highlight>
+                <a:latin typeface="Söhne"/>
+              </a:rPr>
+              <a:t>검토 및 생성</a:t>
+            </a:r>
+            <a:r>
+              <a:rPr lang="en-US" altLang="ko-KR" b="0" i="0" dirty="0">
+                <a:solidFill>
+                  <a:srgbClr val="0D0D0D"/>
+                </a:solidFill>
+                <a:effectLst/>
+                <a:highlight>
+                  <a:srgbClr val="FFFFFF"/>
+                </a:highlight>
+                <a:latin typeface="Söhne"/>
+              </a:rPr>
+              <a:t>:</a:t>
+            </a:r>
+          </a:p>
+          <a:p>
+            <a:pPr lvl="1">
+              <a:lnSpc>
+                <a:spcPct val="120000"/>
+              </a:lnSpc>
+            </a:pPr>
+            <a:r>
+              <a:rPr lang="ko-KR" altLang="en-US" b="0" i="0" dirty="0">
+                <a:solidFill>
+                  <a:srgbClr val="0D0D0D"/>
+                </a:solidFill>
+                <a:effectLst/>
+                <a:highlight>
+                  <a:srgbClr val="FFFFFF"/>
+                </a:highlight>
+                <a:latin typeface="Söhne"/>
+              </a:rPr>
+              <a:t>변경 내용을 검토하고</a:t>
+            </a:r>
+            <a:r>
+              <a:rPr lang="en-US" altLang="ko-KR" b="0" i="0" dirty="0">
+                <a:solidFill>
+                  <a:srgbClr val="0D0D0D"/>
+                </a:solidFill>
+                <a:effectLst/>
+                <a:highlight>
+                  <a:srgbClr val="FFFFFF"/>
+                </a:highlight>
+                <a:latin typeface="Söhne"/>
+              </a:rPr>
+              <a:t>, '</a:t>
+            </a:r>
+            <a:r>
+              <a:rPr lang="en-US" b="0" i="0" dirty="0">
+                <a:solidFill>
+                  <a:srgbClr val="0D0D0D"/>
+                </a:solidFill>
+                <a:effectLst/>
+                <a:highlight>
+                  <a:srgbClr val="FFFFFF"/>
+                </a:highlight>
+                <a:latin typeface="Söhne"/>
+              </a:rPr>
+              <a:t>Create pull request'</a:t>
+            </a:r>
+            <a:r>
+              <a:rPr lang="ko-KR" altLang="en-US" b="0" i="0" dirty="0" err="1">
+                <a:solidFill>
+                  <a:srgbClr val="0D0D0D"/>
+                </a:solidFill>
+                <a:effectLst/>
+                <a:highlight>
+                  <a:srgbClr val="FFFFFF"/>
+                </a:highlight>
+                <a:latin typeface="Söhne"/>
+              </a:rPr>
+              <a:t>를</a:t>
+            </a:r>
+            <a:r>
+              <a:rPr lang="ko-KR" altLang="en-US" b="0" i="0" dirty="0">
+                <a:solidFill>
+                  <a:srgbClr val="0D0D0D"/>
+                </a:solidFill>
+                <a:effectLst/>
+                <a:highlight>
+                  <a:srgbClr val="FFFFFF"/>
+                </a:highlight>
+                <a:latin typeface="Söhne"/>
+              </a:rPr>
+              <a:t> 클릭하여 </a:t>
+            </a:r>
+            <a:r>
+              <a:rPr lang="en-US" b="0" i="0" dirty="0">
+                <a:solidFill>
+                  <a:srgbClr val="0D0D0D"/>
+                </a:solidFill>
+                <a:effectLst/>
+                <a:highlight>
+                  <a:srgbClr val="FFFFFF"/>
+                </a:highlight>
+                <a:latin typeface="Söhne"/>
+              </a:rPr>
+              <a:t>PR</a:t>
+            </a:r>
+            <a:r>
+              <a:rPr lang="ko-KR" altLang="en-US" b="0" i="0" dirty="0">
+                <a:solidFill>
+                  <a:srgbClr val="0D0D0D"/>
+                </a:solidFill>
+                <a:effectLst/>
+                <a:highlight>
+                  <a:srgbClr val="FFFFFF"/>
+                </a:highlight>
+                <a:latin typeface="Söhne"/>
+              </a:rPr>
+              <a:t>을 시작합니다</a:t>
+            </a:r>
+            <a:r>
+              <a:rPr lang="en-US" altLang="ko-KR" b="0" i="0" dirty="0">
+                <a:solidFill>
+                  <a:srgbClr val="0D0D0D"/>
+                </a:solidFill>
+                <a:effectLst/>
+                <a:highlight>
+                  <a:srgbClr val="FFFFFF"/>
+                </a:highlight>
+                <a:latin typeface="Söhne"/>
+              </a:rPr>
+              <a:t>.</a:t>
+            </a:r>
+          </a:p>
+          <a:p>
+            <a:pPr lvl="1">
+              <a:lnSpc>
+                <a:spcPct val="120000"/>
+              </a:lnSpc>
+            </a:pPr>
+            <a:r>
+              <a:rPr lang="en-US" b="0" i="0" dirty="0">
+                <a:solidFill>
+                  <a:srgbClr val="0D0D0D"/>
+                </a:solidFill>
+                <a:effectLst/>
+                <a:highlight>
+                  <a:srgbClr val="FFFFFF"/>
+                </a:highlight>
+                <a:latin typeface="Söhne"/>
+              </a:rPr>
+              <a:t>PR</a:t>
+            </a:r>
+            <a:r>
+              <a:rPr lang="ko-KR" altLang="en-US" b="0" i="0" dirty="0">
+                <a:solidFill>
+                  <a:srgbClr val="0D0D0D"/>
+                </a:solidFill>
+                <a:effectLst/>
+                <a:highlight>
+                  <a:srgbClr val="FFFFFF"/>
+                </a:highlight>
+                <a:latin typeface="Söhne"/>
+              </a:rPr>
+              <a:t>에 대한 제목과 설명을 입력하고</a:t>
+            </a:r>
+            <a:r>
+              <a:rPr lang="en-US" altLang="ko-KR" b="0" i="0" dirty="0">
+                <a:solidFill>
+                  <a:srgbClr val="0D0D0D"/>
+                </a:solidFill>
+                <a:effectLst/>
+                <a:highlight>
+                  <a:srgbClr val="FFFFFF"/>
+                </a:highlight>
+                <a:latin typeface="Söhne"/>
+              </a:rPr>
+              <a:t>, '</a:t>
+            </a:r>
+            <a:r>
+              <a:rPr lang="en-US" b="0" i="0" dirty="0">
+                <a:solidFill>
+                  <a:srgbClr val="0D0D0D"/>
+                </a:solidFill>
+                <a:effectLst/>
+                <a:highlight>
+                  <a:srgbClr val="FFFFFF"/>
+                </a:highlight>
+                <a:latin typeface="Söhne"/>
+              </a:rPr>
+              <a:t>Create pull request' </a:t>
+            </a:r>
+            <a:r>
+              <a:rPr lang="ko-KR" altLang="en-US" b="0" i="0" dirty="0">
+                <a:solidFill>
+                  <a:srgbClr val="0D0D0D"/>
+                </a:solidFill>
+                <a:effectLst/>
+                <a:highlight>
+                  <a:srgbClr val="FFFFFF"/>
+                </a:highlight>
+                <a:latin typeface="Söhne"/>
+              </a:rPr>
+              <a:t>버튼을 다시 클릭합니다</a:t>
+            </a:r>
+            <a:r>
+              <a:rPr lang="en-US" altLang="ko-KR" b="0" i="0" dirty="0">
+                <a:solidFill>
+                  <a:srgbClr val="0D0D0D"/>
+                </a:solidFill>
+                <a:effectLst/>
+                <a:highlight>
+                  <a:srgbClr val="FFFFFF"/>
+                </a:highlight>
+                <a:latin typeface="Söhne"/>
+              </a:rPr>
+              <a:t>.</a:t>
+            </a:r>
+          </a:p>
+          <a:p>
+            <a:pPr lvl="1">
+              <a:lnSpc>
+                <a:spcPct val="120000"/>
+              </a:lnSpc>
+            </a:pPr>
+            <a:r>
+              <a:rPr lang="ko-KR" altLang="en-US" b="0" i="0" dirty="0">
+                <a:solidFill>
+                  <a:srgbClr val="0D0D0D"/>
+                </a:solidFill>
+                <a:effectLst/>
+                <a:highlight>
+                  <a:srgbClr val="FFFFFF"/>
+                </a:highlight>
+                <a:latin typeface="Söhne"/>
+              </a:rPr>
+              <a:t>이제 당신의 </a:t>
+            </a:r>
+            <a:r>
+              <a:rPr lang="en-US" b="0" i="0" dirty="0">
+                <a:solidFill>
+                  <a:srgbClr val="0D0D0D"/>
+                </a:solidFill>
+                <a:effectLst/>
+                <a:highlight>
+                  <a:srgbClr val="FFFFFF"/>
+                </a:highlight>
+                <a:latin typeface="Söhne"/>
+              </a:rPr>
+              <a:t>Pull Request</a:t>
+            </a:r>
+            <a:r>
+              <a:rPr lang="ko-KR" altLang="en-US" b="0" i="0" dirty="0">
+                <a:solidFill>
+                  <a:srgbClr val="0D0D0D"/>
+                </a:solidFill>
+                <a:effectLst/>
+                <a:highlight>
+                  <a:srgbClr val="FFFFFF"/>
+                </a:highlight>
+                <a:latin typeface="Söhne"/>
+              </a:rPr>
+              <a:t>가 원본 저장소의 관리자에게 전송되었습니다</a:t>
+            </a:r>
+            <a:r>
+              <a:rPr lang="en-US" altLang="ko-KR" b="0" i="0" dirty="0">
+                <a:solidFill>
+                  <a:srgbClr val="0D0D0D"/>
+                </a:solidFill>
+                <a:effectLst/>
+                <a:highlight>
+                  <a:srgbClr val="FFFFFF"/>
+                </a:highlight>
+                <a:latin typeface="Söhne"/>
+              </a:rPr>
+              <a:t>. </a:t>
+            </a:r>
+            <a:r>
+              <a:rPr lang="ko-KR" altLang="en-US" b="0" i="0" dirty="0">
+                <a:solidFill>
+                  <a:srgbClr val="0D0D0D"/>
+                </a:solidFill>
+                <a:effectLst/>
+                <a:highlight>
+                  <a:srgbClr val="FFFFFF"/>
+                </a:highlight>
+                <a:latin typeface="Söhne"/>
+              </a:rPr>
+              <a:t>관리자는 이를 검토하고</a:t>
+            </a:r>
+            <a:r>
+              <a:rPr lang="en-US" altLang="ko-KR" b="0" i="0" dirty="0">
+                <a:solidFill>
+                  <a:srgbClr val="0D0D0D"/>
+                </a:solidFill>
+                <a:effectLst/>
+                <a:highlight>
+                  <a:srgbClr val="FFFFFF"/>
+                </a:highlight>
+                <a:latin typeface="Söhne"/>
+              </a:rPr>
+              <a:t>, </a:t>
+            </a:r>
+            <a:r>
+              <a:rPr lang="ko-KR" altLang="en-US" b="0" i="0" dirty="0">
+                <a:solidFill>
+                  <a:srgbClr val="0D0D0D"/>
+                </a:solidFill>
+                <a:effectLst/>
+                <a:highlight>
+                  <a:srgbClr val="FFFFFF"/>
+                </a:highlight>
+                <a:latin typeface="Söhne"/>
+              </a:rPr>
+              <a:t>필요한 경우 논의를 거친 후에 변경 사항을 원본 저장소에 병합</a:t>
+            </a:r>
+            <a:r>
+              <a:rPr lang="en-US" altLang="ko-KR" b="0" i="0" dirty="0">
+                <a:solidFill>
+                  <a:srgbClr val="0D0D0D"/>
+                </a:solidFill>
+                <a:effectLst/>
+                <a:highlight>
+                  <a:srgbClr val="FFFFFF"/>
+                </a:highlight>
+                <a:latin typeface="Söhne"/>
+              </a:rPr>
+              <a:t>(</a:t>
+            </a:r>
+            <a:r>
+              <a:rPr lang="en-US" b="0" i="0" dirty="0">
+                <a:solidFill>
+                  <a:srgbClr val="0D0D0D"/>
+                </a:solidFill>
+                <a:effectLst/>
+                <a:highlight>
+                  <a:srgbClr val="FFFFFF"/>
+                </a:highlight>
+                <a:latin typeface="Söhne"/>
+              </a:rPr>
+              <a:t>merge)</a:t>
+            </a:r>
+            <a:r>
+              <a:rPr lang="ko-KR" altLang="en-US" b="0" i="0" dirty="0">
+                <a:solidFill>
+                  <a:srgbClr val="0D0D0D"/>
+                </a:solidFill>
+                <a:effectLst/>
+                <a:highlight>
+                  <a:srgbClr val="FFFFFF"/>
+                </a:highlight>
+                <a:latin typeface="Söhne"/>
+              </a:rPr>
+              <a:t>할 수 있습니다</a:t>
+            </a:r>
+            <a:r>
+              <a:rPr lang="en-US" altLang="ko-KR" b="0" i="0" dirty="0">
+                <a:solidFill>
+                  <a:srgbClr val="0D0D0D"/>
+                </a:solidFill>
+                <a:effectLst/>
+                <a:highlight>
+                  <a:srgbClr val="FFFFFF"/>
+                </a:highlight>
+                <a:latin typeface="Söhne"/>
+              </a:rPr>
+              <a:t>.</a:t>
+            </a:r>
+          </a:p>
+          <a:p>
+            <a:endParaRPr lang="en-KR" dirty="0"/>
+          </a:p>
+        </p:txBody>
+      </p:sp>
+    </p:spTree>
+    <p:extLst>
+      <p:ext uri="{BB962C8B-B14F-4D97-AF65-F5344CB8AC3E}">
+        <p14:creationId xmlns:p14="http://schemas.microsoft.com/office/powerpoint/2010/main" val="3226029941"/>
+      </p:ext>
+    </p:extLst>
+  </p:cSld>
+  <p:clrMapOvr>
+    <a:masterClrMapping/>
+  </p:clrMapOvr>
+</p:sld>
+</file>
+
+<file path=ppt/slides/slide22.xml><?xml version="1.0" encoding="utf-8"?>
+<p:sld xmlns:a="http://schemas.openxmlformats.org/drawingml/2006/main" xmlns:r="http://schemas.openxmlformats.org/officeDocument/2006/relationships" xmlns:p="http://schemas.openxmlformats.org/presentationml/2006/main">
+  <p:cSld>
+    <p:spTree>
+      <p:nvGrpSpPr>
+        <p:cNvPr id="1" name=""/>
+        <p:cNvGrpSpPr/>
+        <p:nvPr/>
+      </p:nvGrpSpPr>
+      <p:grpSpPr>
+        <a:xfrm>
+          <a:off x="0" y="0"/>
+          <a:ext cx="0" cy="0"/>
+          <a:chOff x="0" y="0"/>
+          <a:chExt cx="0" cy="0"/>
+        </a:xfrm>
+      </p:grpSpPr>
+      <p:sp>
+        <p:nvSpPr>
+          <p:cNvPr id="2" name="Title 1">
+            <a:extLst>
+              <a:ext uri="{FF2B5EF4-FFF2-40B4-BE49-F238E27FC236}">
                 <a16:creationId xmlns:a16="http://schemas.microsoft.com/office/drawing/2014/main" id="{B7205259-86EB-2A47-2457-967FBAEF49D9}"/>
               </a:ext>
             </a:extLst>
@@ -14032,7 +15264,7 @@
 </p:sld>
 </file>
 
-<file path=ppt/slides/slide21.xml><?xml version="1.0" encoding="utf-8"?>
+<file path=ppt/slides/slide23.xml><?xml version="1.0" encoding="utf-8"?>
 <p:sld xmlns:a="http://schemas.openxmlformats.org/drawingml/2006/main" xmlns:r="http://schemas.openxmlformats.org/officeDocument/2006/relationships" xmlns:p="http://schemas.openxmlformats.org/presentationml/2006/main">
   <p:cSld>
     <p:spTree>
